--- a/slide/themes/src/02_basic.pptx
+++ b/slide/themes/src/02_basic.pptx
@@ -142,7 +142,7 @@
       </p:grpSpPr>
       <p:sp>
         <p:nvSpPr>
-          <p:cNvPr id="2" name="Заголовок 1"/>
+          <p:cNvPr id="2" name="Title 1"/>
           <p:cNvSpPr>
             <a:spLocks noGrp="1"/>
           </p:cNvSpPr>
@@ -168,16 +168,16 @@
           </a:lstStyle>
           <a:p>
             <a:r>
-              <a:rPr lang="ru-RU" dirty="0" smtClean="0"/>
-              <a:t>Образец заголовка</a:t>
+              <a:rPr lang="en-US" dirty="0" smtClean="0"/>
+              <a:t>Click to edit Master title style</a:t>
             </a:r>
-            <a:endParaRPr lang="ru-RU" dirty="0"/>
+            <a:endParaRPr lang="en-US" dirty="0"/>
           </a:p>
         </p:txBody>
       </p:sp>
       <p:sp>
         <p:nvSpPr>
-          <p:cNvPr id="3" name="Подзаголовок 2"/>
+          <p:cNvPr id="3" name="Subtitle 2"/>
           <p:cNvSpPr>
             <a:spLocks noGrp="1"/>
           </p:cNvSpPr>
@@ -289,16 +289,16 @@
           </a:lstStyle>
           <a:p>
             <a:r>
-              <a:rPr lang="ru-RU" dirty="0" smtClean="0"/>
-              <a:t>Образец подзаголовка</a:t>
+              <a:rPr lang="en-US" dirty="0" smtClean="0"/>
+              <a:t>Click to edit Master subtitle style</a:t>
             </a:r>
-            <a:endParaRPr lang="ru-RU" dirty="0"/>
+            <a:endParaRPr lang="en-US" dirty="0"/>
           </a:p>
         </p:txBody>
       </p:sp>
       <p:sp>
         <p:nvSpPr>
-          <p:cNvPr id="15" name="Дата 14"/>
+          <p:cNvPr id="15" name="Date Placeholder 14"/>
           <p:cNvSpPr>
             <a:spLocks noGrp="1"/>
           </p:cNvSpPr>
@@ -312,16 +312,16 @@
           <a:lstStyle/>
           <a:p>
             <a:fld id="{51E84241-D031-42DE-84E4-CC10C30232F4}" type="datetimeFigureOut">
-              <a:rPr lang="ru-RU" smtClean="0"/>
+              <a:rPr lang="en-US" smtClean="0"/>
               <a:t>26.12.2019</a:t>
             </a:fld>
-            <a:endParaRPr lang="ru-RU"/>
+            <a:endParaRPr lang="en-US"/>
           </a:p>
         </p:txBody>
       </p:sp>
       <p:sp>
         <p:nvSpPr>
-          <p:cNvPr id="16" name="Нижний колонтитул 15"/>
+          <p:cNvPr id="16" name="Footer Placeholder 15"/>
           <p:cNvSpPr>
             <a:spLocks noGrp="1"/>
           </p:cNvSpPr>
@@ -334,13 +334,13 @@
           <a:bodyPr/>
           <a:lstStyle/>
           <a:p>
-            <a:endParaRPr lang="ru-RU"/>
+            <a:endParaRPr lang="en-US"/>
           </a:p>
         </p:txBody>
       </p:sp>
       <p:sp>
         <p:nvSpPr>
-          <p:cNvPr id="18" name="Номер слайда 17"/>
+          <p:cNvPr id="18" name="Slide Number Placeholder 17"/>
           <p:cNvSpPr>
             <a:spLocks noGrp="1"/>
           </p:cNvSpPr>
@@ -364,7 +364,7 @@
       </p:sp>
       <p:grpSp>
         <p:nvGrpSpPr>
-          <p:cNvPr id="313" name="Группа 312"/>
+          <p:cNvPr id="313" name="Group 312"/>
           <p:cNvGrpSpPr/>
           <p:nvPr userDrawn="1"/>
         </p:nvGrpSpPr>
@@ -378,7 +378,7 @@
         </p:grpSpPr>
         <p:grpSp>
           <p:nvGrpSpPr>
-            <p:cNvPr id="383" name="Группа 382"/>
+            <p:cNvPr id="383" name="Group 382"/>
             <p:cNvGrpSpPr/>
             <p:nvPr userDrawn="1"/>
           </p:nvGrpSpPr>
@@ -392,7 +392,7 @@
           </p:grpSpPr>
           <p:sp>
             <p:nvSpPr>
-              <p:cNvPr id="432" name="Прямоугольник 431"/>
+              <p:cNvPr id="432" name="Rectangle 431"/>
               <p:cNvSpPr/>
               <p:nvPr userDrawn="1"/>
             </p:nvSpPr>
@@ -414,7 +414,7 @@
           </p:sp>
           <p:grpSp>
             <p:nvGrpSpPr>
-              <p:cNvPr id="433" name="Группа 432"/>
+              <p:cNvPr id="433" name="Group 432"/>
               <p:cNvGrpSpPr/>
               <p:nvPr userDrawn="1"/>
             </p:nvGrpSpPr>
@@ -428,7 +428,7 @@
             </p:grpSpPr>
             <p:sp>
               <p:nvSpPr>
-                <p:cNvPr id="434" name="Прямоугольник 433"/>
+                <p:cNvPr id="434" name="Rectangle 433"/>
                 <p:cNvSpPr/>
                 <p:nvPr userDrawn="1"/>
               </p:nvSpPr>
@@ -453,7 +453,7 @@
             </p:sp>
             <p:sp>
               <p:nvSpPr>
-                <p:cNvPr id="435" name="Прямоугольник 434"/>
+                <p:cNvPr id="435" name="Rectangle 434"/>
                 <p:cNvSpPr/>
                 <p:nvPr userDrawn="1"/>
               </p:nvSpPr>
@@ -479,7 +479,7 @@
             </p:sp>
             <p:sp>
               <p:nvSpPr>
-                <p:cNvPr id="436" name="Прямоугольник 435"/>
+                <p:cNvPr id="436" name="Rectangle 435"/>
                 <p:cNvSpPr/>
                 <p:nvPr userDrawn="1"/>
               </p:nvSpPr>
@@ -505,7 +505,7 @@
             </p:sp>
             <p:sp>
               <p:nvSpPr>
-                <p:cNvPr id="437" name="Прямоугольник 436"/>
+                <p:cNvPr id="437" name="Rectangle 436"/>
                 <p:cNvSpPr/>
                 <p:nvPr userDrawn="1"/>
               </p:nvSpPr>
@@ -531,7 +531,7 @@
             </p:sp>
             <p:sp>
               <p:nvSpPr>
-                <p:cNvPr id="438" name="Прямоугольник 437"/>
+                <p:cNvPr id="438" name="Rectangle 437"/>
                 <p:cNvSpPr/>
                 <p:nvPr userDrawn="1"/>
               </p:nvSpPr>
@@ -557,7 +557,7 @@
             </p:sp>
             <p:sp>
               <p:nvSpPr>
-                <p:cNvPr id="439" name="Прямоугольник 438"/>
+                <p:cNvPr id="439" name="Rectangle 438"/>
                 <p:cNvSpPr/>
                 <p:nvPr userDrawn="1"/>
               </p:nvSpPr>
@@ -583,7 +583,7 @@
             </p:sp>
             <p:sp>
               <p:nvSpPr>
-                <p:cNvPr id="440" name="Прямоугольник 439"/>
+                <p:cNvPr id="440" name="Rectangle 439"/>
                 <p:cNvSpPr/>
                 <p:nvPr userDrawn="1"/>
               </p:nvSpPr>
@@ -607,7 +607,7 @@
             </p:sp>
             <p:sp>
               <p:nvSpPr>
-                <p:cNvPr id="441" name="Прямоугольник 440"/>
+                <p:cNvPr id="441" name="Rectangle 440"/>
                 <p:cNvSpPr/>
                 <p:nvPr userDrawn="1"/>
               </p:nvSpPr>
@@ -632,7 +632,7 @@
             </p:sp>
             <p:sp>
               <p:nvSpPr>
-                <p:cNvPr id="442" name="Прямоугольник 441"/>
+                <p:cNvPr id="442" name="Rectangle 441"/>
                 <p:cNvSpPr/>
                 <p:nvPr userDrawn="1"/>
               </p:nvSpPr>
@@ -659,7 +659,7 @@
         </p:grpSp>
         <p:grpSp>
           <p:nvGrpSpPr>
-            <p:cNvPr id="384" name="Группа 383"/>
+            <p:cNvPr id="384" name="Group 383"/>
             <p:cNvGrpSpPr/>
             <p:nvPr userDrawn="1"/>
           </p:nvGrpSpPr>
@@ -673,7 +673,7 @@
           </p:grpSpPr>
           <p:sp>
             <p:nvSpPr>
-              <p:cNvPr id="421" name="Прямоугольник 420"/>
+              <p:cNvPr id="421" name="Rectangle 420"/>
               <p:cNvSpPr/>
               <p:nvPr userDrawn="1"/>
             </p:nvSpPr>
@@ -695,7 +695,7 @@
           </p:sp>
           <p:grpSp>
             <p:nvGrpSpPr>
-              <p:cNvPr id="422" name="Группа 421"/>
+              <p:cNvPr id="422" name="Group 421"/>
               <p:cNvGrpSpPr/>
               <p:nvPr userDrawn="1"/>
             </p:nvGrpSpPr>
@@ -709,7 +709,7 @@
             </p:grpSpPr>
             <p:sp>
               <p:nvSpPr>
-                <p:cNvPr id="423" name="Прямоугольник 422"/>
+                <p:cNvPr id="423" name="Rectangle 422"/>
                 <p:cNvSpPr/>
                 <p:nvPr userDrawn="1"/>
               </p:nvSpPr>
@@ -734,7 +734,7 @@
             </p:sp>
             <p:sp>
               <p:nvSpPr>
-                <p:cNvPr id="424" name="Прямоугольник 423"/>
+                <p:cNvPr id="424" name="Rectangle 423"/>
                 <p:cNvSpPr/>
                 <p:nvPr userDrawn="1"/>
               </p:nvSpPr>
@@ -760,7 +760,7 @@
             </p:sp>
             <p:sp>
               <p:nvSpPr>
-                <p:cNvPr id="425" name="Прямоугольник 424"/>
+                <p:cNvPr id="425" name="Rectangle 424"/>
                 <p:cNvSpPr/>
                 <p:nvPr userDrawn="1"/>
               </p:nvSpPr>
@@ -786,7 +786,7 @@
             </p:sp>
             <p:sp>
               <p:nvSpPr>
-                <p:cNvPr id="426" name="Прямоугольник 425"/>
+                <p:cNvPr id="426" name="Rectangle 425"/>
                 <p:cNvSpPr/>
                 <p:nvPr userDrawn="1"/>
               </p:nvSpPr>
@@ -812,7 +812,7 @@
             </p:sp>
             <p:sp>
               <p:nvSpPr>
-                <p:cNvPr id="427" name="Прямоугольник 426"/>
+                <p:cNvPr id="427" name="Rectangle 426"/>
                 <p:cNvSpPr/>
                 <p:nvPr userDrawn="1"/>
               </p:nvSpPr>
@@ -838,7 +838,7 @@
             </p:sp>
             <p:sp>
               <p:nvSpPr>
-                <p:cNvPr id="428" name="Прямоугольник 427"/>
+                <p:cNvPr id="428" name="Rectangle 427"/>
                 <p:cNvSpPr/>
                 <p:nvPr userDrawn="1"/>
               </p:nvSpPr>
@@ -864,7 +864,7 @@
             </p:sp>
             <p:sp>
               <p:nvSpPr>
-                <p:cNvPr id="429" name="Прямоугольник 428"/>
+                <p:cNvPr id="429" name="Rectangle 428"/>
                 <p:cNvSpPr/>
                 <p:nvPr userDrawn="1"/>
               </p:nvSpPr>
@@ -889,7 +889,7 @@
             </p:sp>
             <p:sp>
               <p:nvSpPr>
-                <p:cNvPr id="430" name="Прямоугольник 429"/>
+                <p:cNvPr id="430" name="Rectangle 429"/>
                 <p:cNvSpPr/>
                 <p:nvPr userDrawn="1"/>
               </p:nvSpPr>
@@ -913,7 +913,7 @@
             </p:sp>
             <p:sp>
               <p:nvSpPr>
-                <p:cNvPr id="431" name="Прямоугольник 430"/>
+                <p:cNvPr id="431" name="Rectangle 430"/>
                 <p:cNvSpPr/>
                 <p:nvPr userDrawn="1"/>
               </p:nvSpPr>
@@ -940,7 +940,7 @@
         </p:grpSp>
         <p:grpSp>
           <p:nvGrpSpPr>
-            <p:cNvPr id="385" name="Группа 384"/>
+            <p:cNvPr id="385" name="Group 384"/>
             <p:cNvGrpSpPr/>
             <p:nvPr userDrawn="1"/>
           </p:nvGrpSpPr>
@@ -954,7 +954,7 @@
           </p:grpSpPr>
           <p:sp>
             <p:nvSpPr>
-              <p:cNvPr id="410" name="Прямоугольник 409"/>
+              <p:cNvPr id="410" name="Rectangle 409"/>
               <p:cNvSpPr/>
               <p:nvPr userDrawn="1"/>
             </p:nvSpPr>
@@ -976,7 +976,7 @@
           </p:sp>
           <p:grpSp>
             <p:nvGrpSpPr>
-              <p:cNvPr id="411" name="Группа 410"/>
+              <p:cNvPr id="411" name="Group 410"/>
               <p:cNvGrpSpPr/>
               <p:nvPr userDrawn="1"/>
             </p:nvGrpSpPr>
@@ -990,7 +990,7 @@
             </p:grpSpPr>
             <p:sp>
               <p:nvSpPr>
-                <p:cNvPr id="412" name="Прямоугольник 411"/>
+                <p:cNvPr id="412" name="Rectangle 411"/>
                 <p:cNvSpPr/>
                 <p:nvPr userDrawn="1"/>
               </p:nvSpPr>
@@ -1016,7 +1016,7 @@
             </p:sp>
             <p:sp>
               <p:nvSpPr>
-                <p:cNvPr id="413" name="Прямоугольник 412"/>
+                <p:cNvPr id="413" name="Rectangle 412"/>
                 <p:cNvSpPr/>
                 <p:nvPr userDrawn="1"/>
               </p:nvSpPr>
@@ -1042,7 +1042,7 @@
             </p:sp>
             <p:sp>
               <p:nvSpPr>
-                <p:cNvPr id="414" name="Прямоугольник 413"/>
+                <p:cNvPr id="414" name="Rectangle 413"/>
                 <p:cNvSpPr/>
                 <p:nvPr userDrawn="1"/>
               </p:nvSpPr>
@@ -1068,7 +1068,7 @@
             </p:sp>
             <p:sp>
               <p:nvSpPr>
-                <p:cNvPr id="415" name="Прямоугольник 414"/>
+                <p:cNvPr id="415" name="Rectangle 414"/>
                 <p:cNvSpPr/>
                 <p:nvPr userDrawn="1"/>
               </p:nvSpPr>
@@ -1093,7 +1093,7 @@
             </p:sp>
             <p:sp>
               <p:nvSpPr>
-                <p:cNvPr id="416" name="Прямоугольник 415"/>
+                <p:cNvPr id="416" name="Rectangle 415"/>
                 <p:cNvSpPr/>
                 <p:nvPr userDrawn="1"/>
               </p:nvSpPr>
@@ -1119,7 +1119,7 @@
             </p:sp>
             <p:sp>
               <p:nvSpPr>
-                <p:cNvPr id="417" name="Прямоугольник 416"/>
+                <p:cNvPr id="417" name="Rectangle 416"/>
                 <p:cNvSpPr/>
                 <p:nvPr userDrawn="1"/>
               </p:nvSpPr>
@@ -1145,7 +1145,7 @@
             </p:sp>
             <p:sp>
               <p:nvSpPr>
-                <p:cNvPr id="418" name="Прямоугольник 417"/>
+                <p:cNvPr id="418" name="Rectangle 417"/>
                 <p:cNvSpPr/>
                 <p:nvPr userDrawn="1"/>
               </p:nvSpPr>
@@ -1170,7 +1170,7 @@
             </p:sp>
             <p:sp>
               <p:nvSpPr>
-                <p:cNvPr id="419" name="Прямоугольник 418"/>
+                <p:cNvPr id="419" name="Rectangle 418"/>
                 <p:cNvSpPr/>
                 <p:nvPr userDrawn="1"/>
               </p:nvSpPr>
@@ -1195,7 +1195,7 @@
             </p:sp>
             <p:sp>
               <p:nvSpPr>
-                <p:cNvPr id="420" name="Прямоугольник 419"/>
+                <p:cNvPr id="420" name="Rectangle 419"/>
                 <p:cNvSpPr/>
                 <p:nvPr userDrawn="1"/>
               </p:nvSpPr>
@@ -1222,7 +1222,7 @@
         </p:grpSp>
         <p:grpSp>
           <p:nvGrpSpPr>
-            <p:cNvPr id="386" name="Группа 385"/>
+            <p:cNvPr id="386" name="Group 385"/>
             <p:cNvGrpSpPr/>
             <p:nvPr userDrawn="1"/>
           </p:nvGrpSpPr>
@@ -1236,7 +1236,7 @@
           </p:grpSpPr>
           <p:sp>
             <p:nvSpPr>
-              <p:cNvPr id="399" name="Прямоугольник 398"/>
+              <p:cNvPr id="399" name="Rectangle 398"/>
               <p:cNvSpPr/>
               <p:nvPr userDrawn="1"/>
             </p:nvSpPr>
@@ -1258,7 +1258,7 @@
           </p:sp>
           <p:grpSp>
             <p:nvGrpSpPr>
-              <p:cNvPr id="400" name="Группа 399"/>
+              <p:cNvPr id="400" name="Group 399"/>
               <p:cNvGrpSpPr/>
               <p:nvPr userDrawn="1"/>
             </p:nvGrpSpPr>
@@ -1272,7 +1272,7 @@
             </p:grpSpPr>
             <p:sp>
               <p:nvSpPr>
-                <p:cNvPr id="401" name="Прямоугольник 400"/>
+                <p:cNvPr id="401" name="Rectangle 400"/>
                 <p:cNvSpPr/>
                 <p:nvPr userDrawn="1"/>
               </p:nvSpPr>
@@ -1297,7 +1297,7 @@
             </p:sp>
             <p:sp>
               <p:nvSpPr>
-                <p:cNvPr id="402" name="Прямоугольник 401"/>
+                <p:cNvPr id="402" name="Rectangle 401"/>
                 <p:cNvSpPr/>
                 <p:nvPr userDrawn="1"/>
               </p:nvSpPr>
@@ -1323,7 +1323,7 @@
             </p:sp>
             <p:sp>
               <p:nvSpPr>
-                <p:cNvPr id="403" name="Прямоугольник 402"/>
+                <p:cNvPr id="403" name="Rectangle 402"/>
                 <p:cNvSpPr/>
                 <p:nvPr userDrawn="1"/>
               </p:nvSpPr>
@@ -1348,7 +1348,7 @@
             </p:sp>
             <p:sp>
               <p:nvSpPr>
-                <p:cNvPr id="404" name="Прямоугольник 403"/>
+                <p:cNvPr id="404" name="Rectangle 403"/>
                 <p:cNvSpPr/>
                 <p:nvPr userDrawn="1"/>
               </p:nvSpPr>
@@ -1374,7 +1374,7 @@
             </p:sp>
             <p:sp>
               <p:nvSpPr>
-                <p:cNvPr id="405" name="Прямоугольник 404"/>
+                <p:cNvPr id="405" name="Rectangle 404"/>
                 <p:cNvSpPr/>
                 <p:nvPr userDrawn="1"/>
               </p:nvSpPr>
@@ -1400,7 +1400,7 @@
             </p:sp>
             <p:sp>
               <p:nvSpPr>
-                <p:cNvPr id="406" name="Прямоугольник 405"/>
+                <p:cNvPr id="406" name="Rectangle 405"/>
                 <p:cNvSpPr/>
                 <p:nvPr userDrawn="1"/>
               </p:nvSpPr>
@@ -1426,7 +1426,7 @@
             </p:sp>
             <p:sp>
               <p:nvSpPr>
-                <p:cNvPr id="407" name="Прямоугольник 406"/>
+                <p:cNvPr id="407" name="Rectangle 406"/>
                 <p:cNvSpPr/>
                 <p:nvPr userDrawn="1"/>
               </p:nvSpPr>
@@ -1452,7 +1452,7 @@
             </p:sp>
             <p:sp>
               <p:nvSpPr>
-                <p:cNvPr id="408" name="Прямоугольник 407"/>
+                <p:cNvPr id="408" name="Rectangle 407"/>
                 <p:cNvSpPr/>
                 <p:nvPr userDrawn="1"/>
               </p:nvSpPr>
@@ -1478,7 +1478,7 @@
             </p:sp>
             <p:sp>
               <p:nvSpPr>
-                <p:cNvPr id="409" name="Прямоугольник 408"/>
+                <p:cNvPr id="409" name="Rectangle 408"/>
                 <p:cNvSpPr/>
                 <p:nvPr userDrawn="1"/>
               </p:nvSpPr>
@@ -1506,7 +1506,7 @@
         </p:grpSp>
         <p:grpSp>
           <p:nvGrpSpPr>
-            <p:cNvPr id="387" name="Группа 386"/>
+            <p:cNvPr id="387" name="Group 386"/>
             <p:cNvGrpSpPr/>
             <p:nvPr userDrawn="1"/>
           </p:nvGrpSpPr>
@@ -1520,7 +1520,7 @@
           </p:grpSpPr>
           <p:sp>
             <p:nvSpPr>
-              <p:cNvPr id="388" name="Прямоугольник 387"/>
+              <p:cNvPr id="388" name="Rectangle 387"/>
               <p:cNvSpPr/>
               <p:nvPr userDrawn="1"/>
             </p:nvSpPr>
@@ -1542,7 +1542,7 @@
           </p:sp>
           <p:grpSp>
             <p:nvGrpSpPr>
-              <p:cNvPr id="389" name="Группа 388"/>
+              <p:cNvPr id="389" name="Group 388"/>
               <p:cNvGrpSpPr/>
               <p:nvPr userDrawn="1"/>
             </p:nvGrpSpPr>
@@ -1556,7 +1556,7 @@
             </p:grpSpPr>
             <p:sp>
               <p:nvSpPr>
-                <p:cNvPr id="390" name="Прямоугольник 389"/>
+                <p:cNvPr id="390" name="Rectangle 389"/>
                 <p:cNvSpPr/>
                 <p:nvPr userDrawn="1"/>
               </p:nvSpPr>
@@ -1582,7 +1582,7 @@
             </p:sp>
             <p:sp>
               <p:nvSpPr>
-                <p:cNvPr id="391" name="Прямоугольник 390"/>
+                <p:cNvPr id="391" name="Rectangle 390"/>
                 <p:cNvSpPr/>
                 <p:nvPr userDrawn="1"/>
               </p:nvSpPr>
@@ -1608,7 +1608,7 @@
             </p:sp>
             <p:sp>
               <p:nvSpPr>
-                <p:cNvPr id="392" name="Прямоугольник 391"/>
+                <p:cNvPr id="392" name="Rectangle 391"/>
                 <p:cNvSpPr/>
                 <p:nvPr userDrawn="1"/>
               </p:nvSpPr>
@@ -1633,7 +1633,7 @@
             </p:sp>
             <p:sp>
               <p:nvSpPr>
-                <p:cNvPr id="393" name="Прямоугольник 392"/>
+                <p:cNvPr id="393" name="Rectangle 392"/>
                 <p:cNvSpPr/>
                 <p:nvPr userDrawn="1"/>
               </p:nvSpPr>
@@ -1659,7 +1659,7 @@
             </p:sp>
             <p:sp>
               <p:nvSpPr>
-                <p:cNvPr id="394" name="Прямоугольник 393"/>
+                <p:cNvPr id="394" name="Rectangle 393"/>
                 <p:cNvSpPr/>
                 <p:nvPr userDrawn="1"/>
               </p:nvSpPr>
@@ -1685,7 +1685,7 @@
             </p:sp>
             <p:sp>
               <p:nvSpPr>
-                <p:cNvPr id="395" name="Прямоугольник 394"/>
+                <p:cNvPr id="395" name="Rectangle 394"/>
                 <p:cNvSpPr/>
                 <p:nvPr userDrawn="1"/>
               </p:nvSpPr>
@@ -1711,7 +1711,7 @@
             </p:sp>
             <p:sp>
               <p:nvSpPr>
-                <p:cNvPr id="396" name="Прямоугольник 395"/>
+                <p:cNvPr id="396" name="Rectangle 395"/>
                 <p:cNvSpPr/>
                 <p:nvPr userDrawn="1"/>
               </p:nvSpPr>
@@ -1736,7 +1736,7 @@
             </p:sp>
             <p:sp>
               <p:nvSpPr>
-                <p:cNvPr id="397" name="Прямоугольник 396"/>
+                <p:cNvPr id="397" name="Rectangle 396"/>
                 <p:cNvSpPr/>
                 <p:nvPr userDrawn="1"/>
               </p:nvSpPr>
@@ -1760,7 +1760,7 @@
             </p:sp>
             <p:sp>
               <p:nvSpPr>
-                <p:cNvPr id="398" name="Прямоугольник 397"/>
+                <p:cNvPr id="398" name="Rectangle 397"/>
                 <p:cNvSpPr/>
                 <p:nvPr userDrawn="1"/>
               </p:nvSpPr>
@@ -1788,7 +1788,7 @@
       </p:grpSp>
       <p:grpSp>
         <p:nvGrpSpPr>
-          <p:cNvPr id="5" name="Группа 4"/>
+          <p:cNvPr id="5" name="Group 4"/>
           <p:cNvGrpSpPr/>
           <p:nvPr userDrawn="1"/>
         </p:nvGrpSpPr>
@@ -1802,7 +1802,7 @@
         </p:grpSpPr>
         <p:sp>
           <p:nvSpPr>
-            <p:cNvPr id="464" name="Прямоугольник 463"/>
+            <p:cNvPr id="464" name="Rectangle 463"/>
             <p:cNvSpPr/>
             <p:nvPr userDrawn="1"/>
           </p:nvSpPr>
@@ -1824,7 +1824,7 @@
         </p:sp>
         <p:sp>
           <p:nvSpPr>
-            <p:cNvPr id="465" name="Прямоугольник 464"/>
+            <p:cNvPr id="465" name="Rectangle 464"/>
             <p:cNvSpPr/>
             <p:nvPr userDrawn="1"/>
           </p:nvSpPr>
@@ -1850,7 +1850,7 @@
         </p:sp>
         <p:sp>
           <p:nvSpPr>
-            <p:cNvPr id="466" name="Прямоугольник 465"/>
+            <p:cNvPr id="466" name="Rectangle 465"/>
             <p:cNvSpPr/>
             <p:nvPr userDrawn="1"/>
           </p:nvSpPr>
@@ -1876,7 +1876,7 @@
         </p:sp>
         <p:sp>
           <p:nvSpPr>
-            <p:cNvPr id="467" name="Прямоугольник 466"/>
+            <p:cNvPr id="467" name="Rectangle 466"/>
             <p:cNvSpPr/>
             <p:nvPr userDrawn="1"/>
           </p:nvSpPr>
@@ -1902,7 +1902,7 @@
         </p:sp>
         <p:sp>
           <p:nvSpPr>
-            <p:cNvPr id="468" name="Прямоугольник 467"/>
+            <p:cNvPr id="468" name="Rectangle 467"/>
             <p:cNvSpPr/>
             <p:nvPr userDrawn="1"/>
           </p:nvSpPr>
@@ -1924,7 +1924,7 @@
         </p:sp>
         <p:sp>
           <p:nvSpPr>
-            <p:cNvPr id="469" name="Прямоугольник 468"/>
+            <p:cNvPr id="469" name="Rectangle 468"/>
             <p:cNvSpPr/>
             <p:nvPr userDrawn="1"/>
           </p:nvSpPr>
@@ -1950,7 +1950,7 @@
         </p:sp>
         <p:sp>
           <p:nvSpPr>
-            <p:cNvPr id="470" name="Прямоугольник 469"/>
+            <p:cNvPr id="470" name="Rectangle 469"/>
             <p:cNvSpPr/>
             <p:nvPr userDrawn="1"/>
           </p:nvSpPr>
@@ -1976,7 +1976,7 @@
         </p:sp>
         <p:sp>
           <p:nvSpPr>
-            <p:cNvPr id="471" name="Прямоугольник 470"/>
+            <p:cNvPr id="471" name="Rectangle 470"/>
             <p:cNvSpPr/>
             <p:nvPr userDrawn="1"/>
           </p:nvSpPr>
@@ -2002,7 +2002,7 @@
         </p:sp>
         <p:sp>
           <p:nvSpPr>
-            <p:cNvPr id="472" name="Прямоугольник 471"/>
+            <p:cNvPr id="472" name="Rectangle 471"/>
             <p:cNvSpPr/>
             <p:nvPr userDrawn="1"/>
           </p:nvSpPr>
@@ -2024,7 +2024,7 @@
         </p:sp>
         <p:sp>
           <p:nvSpPr>
-            <p:cNvPr id="473" name="Прямоугольник 472"/>
+            <p:cNvPr id="473" name="Rectangle 472"/>
             <p:cNvSpPr/>
             <p:nvPr userDrawn="1"/>
           </p:nvSpPr>
@@ -2049,7 +2049,7 @@
         </p:sp>
         <p:sp>
           <p:nvSpPr>
-            <p:cNvPr id="474" name="Прямоугольник 473"/>
+            <p:cNvPr id="474" name="Rectangle 473"/>
             <p:cNvSpPr/>
             <p:nvPr userDrawn="1"/>
           </p:nvSpPr>
@@ -2075,7 +2075,7 @@
         </p:sp>
         <p:sp>
           <p:nvSpPr>
-            <p:cNvPr id="475" name="Прямоугольник 474"/>
+            <p:cNvPr id="475" name="Rectangle 474"/>
             <p:cNvSpPr/>
             <p:nvPr userDrawn="1"/>
           </p:nvSpPr>
@@ -2101,7 +2101,7 @@
         </p:sp>
         <p:sp>
           <p:nvSpPr>
-            <p:cNvPr id="476" name="Прямоугольник 475"/>
+            <p:cNvPr id="476" name="Rectangle 475"/>
             <p:cNvSpPr/>
             <p:nvPr userDrawn="1"/>
           </p:nvSpPr>
@@ -2123,7 +2123,7 @@
         </p:sp>
         <p:sp>
           <p:nvSpPr>
-            <p:cNvPr id="477" name="Прямоугольник 476"/>
+            <p:cNvPr id="477" name="Rectangle 476"/>
             <p:cNvSpPr/>
             <p:nvPr userDrawn="1"/>
           </p:nvSpPr>
@@ -2149,7 +2149,7 @@
         </p:sp>
         <p:sp>
           <p:nvSpPr>
-            <p:cNvPr id="478" name="Прямоугольник 477"/>
+            <p:cNvPr id="478" name="Rectangle 477"/>
             <p:cNvSpPr/>
             <p:nvPr userDrawn="1"/>
           </p:nvSpPr>
@@ -2175,7 +2175,7 @@
         </p:sp>
         <p:sp>
           <p:nvSpPr>
-            <p:cNvPr id="479" name="Прямоугольник 478"/>
+            <p:cNvPr id="479" name="Rectangle 478"/>
             <p:cNvSpPr/>
             <p:nvPr userDrawn="1"/>
           </p:nvSpPr>
@@ -2201,7 +2201,7 @@
         </p:sp>
         <p:sp>
           <p:nvSpPr>
-            <p:cNvPr id="480" name="Прямоугольник 479"/>
+            <p:cNvPr id="480" name="Rectangle 479"/>
             <p:cNvSpPr/>
             <p:nvPr userDrawn="1"/>
           </p:nvSpPr>
@@ -2223,7 +2223,7 @@
         </p:sp>
         <p:sp>
           <p:nvSpPr>
-            <p:cNvPr id="481" name="Прямоугольник 480"/>
+            <p:cNvPr id="481" name="Rectangle 480"/>
             <p:cNvSpPr/>
             <p:nvPr userDrawn="1"/>
           </p:nvSpPr>
@@ -2249,7 +2249,7 @@
         </p:sp>
         <p:sp>
           <p:nvSpPr>
-            <p:cNvPr id="482" name="Прямоугольник 481"/>
+            <p:cNvPr id="482" name="Rectangle 481"/>
             <p:cNvSpPr/>
             <p:nvPr userDrawn="1"/>
           </p:nvSpPr>
@@ -2275,7 +2275,7 @@
         </p:sp>
         <p:sp>
           <p:nvSpPr>
-            <p:cNvPr id="483" name="Прямоугольник 482"/>
+            <p:cNvPr id="483" name="Rectangle 482"/>
             <p:cNvSpPr/>
             <p:nvPr userDrawn="1"/>
           </p:nvSpPr>
@@ -2301,7 +2301,7 @@
         </p:sp>
         <p:sp>
           <p:nvSpPr>
-            <p:cNvPr id="484" name="Прямоугольник 483"/>
+            <p:cNvPr id="484" name="Rectangle 483"/>
             <p:cNvSpPr/>
             <p:nvPr userDrawn="1"/>
           </p:nvSpPr>
@@ -2323,7 +2323,7 @@
         </p:sp>
         <p:sp>
           <p:nvSpPr>
-            <p:cNvPr id="485" name="Прямоугольник 484"/>
+            <p:cNvPr id="485" name="Rectangle 484"/>
             <p:cNvSpPr/>
             <p:nvPr userDrawn="1"/>
           </p:nvSpPr>
@@ -2349,7 +2349,7 @@
         </p:sp>
         <p:sp>
           <p:nvSpPr>
-            <p:cNvPr id="486" name="Прямоугольник 485"/>
+            <p:cNvPr id="486" name="Rectangle 485"/>
             <p:cNvSpPr/>
             <p:nvPr userDrawn="1"/>
           </p:nvSpPr>
@@ -2413,7 +2413,7 @@
       </p:grpSpPr>
       <p:sp>
         <p:nvSpPr>
-          <p:cNvPr id="2" name="Заголовок 1"/>
+          <p:cNvPr id="2" name="Title 1"/>
           <p:cNvSpPr>
             <a:spLocks noGrp="1"/>
           </p:cNvSpPr>
@@ -2427,16 +2427,16 @@
           <a:lstStyle/>
           <a:p>
             <a:r>
-              <a:rPr lang="ru-RU" smtClean="0"/>
-              <a:t>Образец заголовка</a:t>
+              <a:rPr lang="en-US" smtClean="0"/>
+              <a:t>Click to edit Master title style</a:t>
             </a:r>
-            <a:endParaRPr lang="ru-RU"/>
+            <a:endParaRPr lang="en-US"/>
           </a:p>
         </p:txBody>
       </p:sp>
       <p:sp>
         <p:nvSpPr>
-          <p:cNvPr id="3" name="Вертикальный текст 2"/>
+          <p:cNvPr id="3" name="Vertical Text Placeholder 2"/>
           <p:cNvSpPr>
             <a:spLocks noGrp="1"/>
           </p:cNvSpPr>
@@ -2451,44 +2451,44 @@
           <a:p>
             <a:pPr lvl="0"/>
             <a:r>
-              <a:rPr lang="ru-RU" smtClean="0"/>
-              <a:t>Образец текста</a:t>
+              <a:rPr lang="en-US" smtClean="0"/>
+              <a:t>Click to edit Master text styles</a:t>
             </a:r>
           </a:p>
           <a:p>
             <a:pPr lvl="1"/>
             <a:r>
-              <a:rPr lang="ru-RU" smtClean="0"/>
-              <a:t>Второй уровень</a:t>
+              <a:rPr lang="en-US" smtClean="0"/>
+              <a:t>Second level</a:t>
             </a:r>
           </a:p>
           <a:p>
             <a:pPr lvl="2"/>
             <a:r>
-              <a:rPr lang="ru-RU" smtClean="0"/>
-              <a:t>Третий уровень</a:t>
+              <a:rPr lang="en-US" smtClean="0"/>
+              <a:t>Third level</a:t>
             </a:r>
           </a:p>
           <a:p>
             <a:pPr lvl="3"/>
             <a:r>
-              <a:rPr lang="ru-RU" smtClean="0"/>
-              <a:t>Четвертый уровень</a:t>
+              <a:rPr lang="en-US" smtClean="0"/>
+              <a:t>Fourth level</a:t>
             </a:r>
           </a:p>
           <a:p>
             <a:pPr lvl="4"/>
             <a:r>
-              <a:rPr lang="ru-RU" smtClean="0"/>
-              <a:t>Пятый уровень</a:t>
+              <a:rPr lang="en-US" smtClean="0"/>
+              <a:t>Fifth level</a:t>
             </a:r>
-            <a:endParaRPr lang="ru-RU"/>
+            <a:endParaRPr lang="en-US"/>
           </a:p>
         </p:txBody>
       </p:sp>
       <p:sp>
         <p:nvSpPr>
-          <p:cNvPr id="10" name="Дата 9"/>
+          <p:cNvPr id="10" name="Date Placeholder 9"/>
           <p:cNvSpPr>
             <a:spLocks noGrp="1"/>
           </p:cNvSpPr>
@@ -2502,16 +2502,16 @@
           <a:lstStyle/>
           <a:p>
             <a:fld id="{51E84241-D031-42DE-84E4-CC10C30232F4}" type="datetimeFigureOut">
-              <a:rPr lang="ru-RU" smtClean="0"/>
+              <a:rPr lang="en-US" smtClean="0"/>
               <a:t>26.12.2019</a:t>
             </a:fld>
-            <a:endParaRPr lang="ru-RU"/>
+            <a:endParaRPr lang="en-US"/>
           </a:p>
         </p:txBody>
       </p:sp>
       <p:sp>
         <p:nvSpPr>
-          <p:cNvPr id="11" name="Нижний колонтитул 10"/>
+          <p:cNvPr id="11" name="Footer Placeholder 10"/>
           <p:cNvSpPr>
             <a:spLocks noGrp="1"/>
           </p:cNvSpPr>
@@ -2524,13 +2524,13 @@
           <a:bodyPr/>
           <a:lstStyle/>
           <a:p>
-            <a:endParaRPr lang="ru-RU"/>
+            <a:endParaRPr lang="en-US"/>
           </a:p>
         </p:txBody>
       </p:sp>
       <p:sp>
         <p:nvSpPr>
-          <p:cNvPr id="12" name="Номер слайда 11"/>
+          <p:cNvPr id="12" name="Slide Number Placeholder 11"/>
           <p:cNvSpPr>
             <a:spLocks noGrp="1"/>
           </p:cNvSpPr>
@@ -2584,7 +2584,7 @@
       </p:grpSpPr>
       <p:sp>
         <p:nvSpPr>
-          <p:cNvPr id="2" name="Вертикальный заголовок 1"/>
+          <p:cNvPr id="2" name="Vertical Title 1"/>
           <p:cNvSpPr>
             <a:spLocks noGrp="1"/>
           </p:cNvSpPr>
@@ -2607,16 +2607,16 @@
           </a:lstStyle>
           <a:p>
             <a:r>
-              <a:rPr lang="ru-RU" dirty="0" smtClean="0"/>
-              <a:t>Образец заголовка</a:t>
+              <a:rPr lang="en-US" dirty="0" smtClean="0"/>
+              <a:t>Click to edit Master title style</a:t>
             </a:r>
-            <a:endParaRPr lang="ru-RU" dirty="0"/>
+            <a:endParaRPr lang="en-US" dirty="0"/>
           </a:p>
         </p:txBody>
       </p:sp>
       <p:sp>
         <p:nvSpPr>
-          <p:cNvPr id="3" name="Вертикальный текст 2"/>
+          <p:cNvPr id="3" name="Vertical Text Placeholder 2"/>
           <p:cNvSpPr>
             <a:spLocks noGrp="1"/>
           </p:cNvSpPr>
@@ -2636,44 +2636,44 @@
           <a:p>
             <a:pPr lvl="0"/>
             <a:r>
-              <a:rPr lang="ru-RU" smtClean="0"/>
-              <a:t>Образец текста</a:t>
+              <a:rPr lang="en-US" smtClean="0"/>
+              <a:t>Click to edit Master text styles</a:t>
             </a:r>
           </a:p>
           <a:p>
             <a:pPr lvl="1"/>
             <a:r>
-              <a:rPr lang="ru-RU" smtClean="0"/>
-              <a:t>Второй уровень</a:t>
+              <a:rPr lang="en-US" smtClean="0"/>
+              <a:t>Second level</a:t>
             </a:r>
           </a:p>
           <a:p>
             <a:pPr lvl="2"/>
             <a:r>
-              <a:rPr lang="ru-RU" smtClean="0"/>
-              <a:t>Третий уровень</a:t>
+              <a:rPr lang="en-US" smtClean="0"/>
+              <a:t>Third level</a:t>
             </a:r>
           </a:p>
           <a:p>
             <a:pPr lvl="3"/>
             <a:r>
-              <a:rPr lang="ru-RU" smtClean="0"/>
-              <a:t>Четвертый уровень</a:t>
+              <a:rPr lang="en-US" smtClean="0"/>
+              <a:t>Fourth level</a:t>
             </a:r>
           </a:p>
           <a:p>
             <a:pPr lvl="4"/>
             <a:r>
-              <a:rPr lang="ru-RU" smtClean="0"/>
-              <a:t>Пятый уровень</a:t>
+              <a:rPr lang="en-US" smtClean="0"/>
+              <a:t>Fifth level</a:t>
             </a:r>
-            <a:endParaRPr lang="ru-RU"/>
+            <a:endParaRPr lang="en-US"/>
           </a:p>
         </p:txBody>
       </p:sp>
       <p:sp>
         <p:nvSpPr>
-          <p:cNvPr id="10" name="Дата 9"/>
+          <p:cNvPr id="10" name="Date Placeholder 9"/>
           <p:cNvSpPr>
             <a:spLocks noGrp="1"/>
           </p:cNvSpPr>
@@ -2687,16 +2687,16 @@
           <a:lstStyle/>
           <a:p>
             <a:fld id="{51E84241-D031-42DE-84E4-CC10C30232F4}" type="datetimeFigureOut">
-              <a:rPr lang="ru-RU" smtClean="0"/>
+              <a:rPr lang="en-US" smtClean="0"/>
               <a:t>26.12.2019</a:t>
             </a:fld>
-            <a:endParaRPr lang="ru-RU"/>
+            <a:endParaRPr lang="en-US"/>
           </a:p>
         </p:txBody>
       </p:sp>
       <p:sp>
         <p:nvSpPr>
-          <p:cNvPr id="11" name="Нижний колонтитул 10"/>
+          <p:cNvPr id="11" name="Footer Placeholder 10"/>
           <p:cNvSpPr>
             <a:spLocks noGrp="1"/>
           </p:cNvSpPr>
@@ -2709,13 +2709,13 @@
           <a:bodyPr/>
           <a:lstStyle/>
           <a:p>
-            <a:endParaRPr lang="ru-RU"/>
+            <a:endParaRPr lang="en-US"/>
           </a:p>
         </p:txBody>
       </p:sp>
       <p:sp>
         <p:nvSpPr>
-          <p:cNvPr id="12" name="Номер слайда 11"/>
+          <p:cNvPr id="12" name="Slide Number Placeholder 11"/>
           <p:cNvSpPr>
             <a:spLocks noGrp="1"/>
           </p:cNvSpPr>
@@ -2769,7 +2769,7 @@
       </p:grpSpPr>
       <p:sp>
         <p:nvSpPr>
-          <p:cNvPr id="2" name="Заголовок 1"/>
+          <p:cNvPr id="2" name="Title 1"/>
           <p:cNvSpPr>
             <a:spLocks noGrp="1"/>
           </p:cNvSpPr>
@@ -2783,16 +2783,16 @@
           <a:lstStyle/>
           <a:p>
             <a:r>
-              <a:rPr lang="ru-RU" smtClean="0"/>
-              <a:t>Образец заголовка</a:t>
+              <a:rPr lang="en-US" smtClean="0"/>
+              <a:t>Click to edit Master title style</a:t>
             </a:r>
-            <a:endParaRPr lang="ru-RU"/>
+            <a:endParaRPr lang="en-US"/>
           </a:p>
         </p:txBody>
       </p:sp>
       <p:sp>
         <p:nvSpPr>
-          <p:cNvPr id="3" name="Объект 2"/>
+          <p:cNvPr id="3" name="Content Placeholder 2"/>
           <p:cNvSpPr>
             <a:spLocks noGrp="1"/>
           </p:cNvSpPr>
@@ -2807,44 +2807,44 @@
           <a:p>
             <a:pPr lvl="0"/>
             <a:r>
-              <a:rPr lang="ru-RU" smtClean="0"/>
-              <a:t>Образец текста</a:t>
+              <a:rPr lang="en-US" smtClean="0"/>
+              <a:t>Click to edit Master text styles</a:t>
             </a:r>
           </a:p>
           <a:p>
             <a:pPr lvl="1"/>
             <a:r>
-              <a:rPr lang="ru-RU" smtClean="0"/>
-              <a:t>Второй уровень</a:t>
+              <a:rPr lang="en-US" smtClean="0"/>
+              <a:t>Second level</a:t>
             </a:r>
           </a:p>
           <a:p>
             <a:pPr lvl="2"/>
             <a:r>
-              <a:rPr lang="ru-RU" smtClean="0"/>
-              <a:t>Третий уровень</a:t>
+              <a:rPr lang="en-US" smtClean="0"/>
+              <a:t>Third level</a:t>
             </a:r>
           </a:p>
           <a:p>
             <a:pPr lvl="3"/>
             <a:r>
-              <a:rPr lang="ru-RU" smtClean="0"/>
-              <a:t>Четвертый уровень</a:t>
+              <a:rPr lang="en-US" smtClean="0"/>
+              <a:t>Fourth level</a:t>
             </a:r>
           </a:p>
           <a:p>
             <a:pPr lvl="4"/>
             <a:r>
-              <a:rPr lang="ru-RU" smtClean="0"/>
-              <a:t>Пятый уровень</a:t>
+              <a:rPr lang="en-US" smtClean="0"/>
+              <a:t>Fifth level</a:t>
             </a:r>
-            <a:endParaRPr lang="ru-RU"/>
+            <a:endParaRPr lang="en-US"/>
           </a:p>
         </p:txBody>
       </p:sp>
       <p:sp>
         <p:nvSpPr>
-          <p:cNvPr id="4" name="Дата 14"/>
+          <p:cNvPr id="4" name="Date Placeholder 14"/>
           <p:cNvSpPr>
             <a:spLocks noGrp="1"/>
           </p:cNvSpPr>
@@ -2863,16 +2863,16 @@
           <a:lstStyle/>
           <a:p>
             <a:fld id="{51E84241-D031-42DE-84E4-CC10C30232F4}" type="datetimeFigureOut">
-              <a:rPr lang="ru-RU" smtClean="0"/>
+              <a:rPr lang="en-US" smtClean="0"/>
               <a:t>26.12.2019</a:t>
             </a:fld>
-            <a:endParaRPr lang="ru-RU"/>
+            <a:endParaRPr lang="en-US"/>
           </a:p>
         </p:txBody>
       </p:sp>
       <p:sp>
         <p:nvSpPr>
-          <p:cNvPr id="5" name="Нижний колонтитул 15"/>
+          <p:cNvPr id="5" name="Footer Placeholder 15"/>
           <p:cNvSpPr>
             <a:spLocks noGrp="1"/>
           </p:cNvSpPr>
@@ -2890,13 +2890,13 @@
           <a:bodyPr/>
           <a:lstStyle/>
           <a:p>
-            <a:endParaRPr lang="ru-RU"/>
+            <a:endParaRPr lang="en-US"/>
           </a:p>
         </p:txBody>
       </p:sp>
       <p:sp>
         <p:nvSpPr>
-          <p:cNvPr id="6" name="Номер слайда 17"/>
+          <p:cNvPr id="6" name="Slide Number Placeholder 17"/>
           <p:cNvSpPr>
             <a:spLocks noGrp="1"/>
           </p:cNvSpPr>
@@ -2955,7 +2955,7 @@
       </p:grpSpPr>
       <p:sp>
         <p:nvSpPr>
-          <p:cNvPr id="2" name="Заголовок 1"/>
+          <p:cNvPr id="2" name="Title 1"/>
           <p:cNvSpPr>
             <a:spLocks noGrp="1"/>
           </p:cNvSpPr>
@@ -2979,16 +2979,16 @@
           </a:lstStyle>
           <a:p>
             <a:r>
-              <a:rPr lang="ru-RU" dirty="0" smtClean="0"/>
-              <a:t>Образец заголовка</a:t>
+              <a:rPr lang="en-US" dirty="0" smtClean="0"/>
+              <a:t>Click to edit Master title style</a:t>
             </a:r>
-            <a:endParaRPr lang="ru-RU" dirty="0"/>
+            <a:endParaRPr lang="en-US" dirty="0"/>
           </a:p>
         </p:txBody>
       </p:sp>
       <p:sp>
         <p:nvSpPr>
-          <p:cNvPr id="3" name="Текст 2"/>
+          <p:cNvPr id="3" name="Text Placeholder 2"/>
           <p:cNvSpPr>
             <a:spLocks noGrp="1"/>
           </p:cNvSpPr>
@@ -3099,15 +3099,15 @@
           <a:p>
             <a:pPr lvl="0"/>
             <a:r>
-              <a:rPr lang="ru-RU" dirty="0" smtClean="0"/>
-              <a:t>Образец текста</a:t>
+              <a:rPr lang="en-US" dirty="0" smtClean="0"/>
+              <a:t>Click to edit Master text styles</a:t>
             </a:r>
           </a:p>
         </p:txBody>
       </p:sp>
       <p:sp>
         <p:nvSpPr>
-          <p:cNvPr id="7" name="Дата 6"/>
+          <p:cNvPr id="7" name="Date Placeholder 6"/>
           <p:cNvSpPr>
             <a:spLocks noGrp="1"/>
           </p:cNvSpPr>
@@ -3121,16 +3121,16 @@
           <a:lstStyle/>
           <a:p>
             <a:fld id="{51E84241-D031-42DE-84E4-CC10C30232F4}" type="datetimeFigureOut">
-              <a:rPr lang="ru-RU" smtClean="0"/>
+              <a:rPr lang="en-US" smtClean="0"/>
               <a:t>26.12.2019</a:t>
             </a:fld>
-            <a:endParaRPr lang="ru-RU"/>
+            <a:endParaRPr lang="en-US"/>
           </a:p>
         </p:txBody>
       </p:sp>
       <p:sp>
         <p:nvSpPr>
-          <p:cNvPr id="8" name="Нижний колонтитул 7"/>
+          <p:cNvPr id="8" name="Footer Placeholder 7"/>
           <p:cNvSpPr>
             <a:spLocks noGrp="1"/>
           </p:cNvSpPr>
@@ -3143,13 +3143,13 @@
           <a:bodyPr/>
           <a:lstStyle/>
           <a:p>
-            <a:endParaRPr lang="ru-RU"/>
+            <a:endParaRPr lang="en-US"/>
           </a:p>
         </p:txBody>
       </p:sp>
       <p:sp>
         <p:nvSpPr>
-          <p:cNvPr id="9" name="Номер слайда 8"/>
+          <p:cNvPr id="9" name="Slide Number Placeholder 8"/>
           <p:cNvSpPr>
             <a:spLocks noGrp="1"/>
           </p:cNvSpPr>
@@ -3203,7 +3203,7 @@
       </p:grpSpPr>
       <p:sp>
         <p:nvSpPr>
-          <p:cNvPr id="3" name="Объект 2"/>
+          <p:cNvPr id="3" name="Content Placeholder 2"/>
           <p:cNvSpPr>
             <a:spLocks noGrp="1"/>
           </p:cNvSpPr>
@@ -3251,44 +3251,44 @@
           <a:p>
             <a:pPr lvl="0"/>
             <a:r>
-              <a:rPr lang="ru-RU" smtClean="0"/>
-              <a:t>Образец текста</a:t>
+              <a:rPr lang="en-US" smtClean="0"/>
+              <a:t>Click to edit Master text styles</a:t>
             </a:r>
           </a:p>
           <a:p>
             <a:pPr lvl="1"/>
             <a:r>
-              <a:rPr lang="ru-RU" smtClean="0"/>
-              <a:t>Второй уровень</a:t>
+              <a:rPr lang="en-US" smtClean="0"/>
+              <a:t>Second level</a:t>
             </a:r>
           </a:p>
           <a:p>
             <a:pPr lvl="2"/>
             <a:r>
-              <a:rPr lang="ru-RU" smtClean="0"/>
-              <a:t>Третий уровень</a:t>
+              <a:rPr lang="en-US" smtClean="0"/>
+              <a:t>Third level</a:t>
             </a:r>
           </a:p>
           <a:p>
             <a:pPr lvl="3"/>
             <a:r>
-              <a:rPr lang="ru-RU" smtClean="0"/>
-              <a:t>Четвертый уровень</a:t>
+              <a:rPr lang="en-US" smtClean="0"/>
+              <a:t>Fourth level</a:t>
             </a:r>
           </a:p>
           <a:p>
             <a:pPr lvl="4"/>
             <a:r>
-              <a:rPr lang="ru-RU" smtClean="0"/>
-              <a:t>Пятый уровень</a:t>
+              <a:rPr lang="en-US" smtClean="0"/>
+              <a:t>Fifth level</a:t>
             </a:r>
-            <a:endParaRPr lang="ru-RU"/>
+            <a:endParaRPr lang="en-US"/>
           </a:p>
         </p:txBody>
       </p:sp>
       <p:sp>
         <p:nvSpPr>
-          <p:cNvPr id="4" name="Объект 3"/>
+          <p:cNvPr id="4" name="Content Placeholder 3"/>
           <p:cNvSpPr>
             <a:spLocks noGrp="1"/>
           </p:cNvSpPr>
@@ -3336,44 +3336,44 @@
           <a:p>
             <a:pPr lvl="0"/>
             <a:r>
-              <a:rPr lang="ru-RU" smtClean="0"/>
-              <a:t>Образец текста</a:t>
+              <a:rPr lang="en-US" smtClean="0"/>
+              <a:t>Click to edit Master text styles</a:t>
             </a:r>
           </a:p>
           <a:p>
             <a:pPr lvl="1"/>
             <a:r>
-              <a:rPr lang="ru-RU" smtClean="0"/>
-              <a:t>Второй уровень</a:t>
+              <a:rPr lang="en-US" smtClean="0"/>
+              <a:t>Second level</a:t>
             </a:r>
           </a:p>
           <a:p>
             <a:pPr lvl="2"/>
             <a:r>
-              <a:rPr lang="ru-RU" smtClean="0"/>
-              <a:t>Третий уровень</a:t>
+              <a:rPr lang="en-US" smtClean="0"/>
+              <a:t>Third level</a:t>
             </a:r>
           </a:p>
           <a:p>
             <a:pPr lvl="3"/>
             <a:r>
-              <a:rPr lang="ru-RU" smtClean="0"/>
-              <a:t>Четвертый уровень</a:t>
+              <a:rPr lang="en-US" smtClean="0"/>
+              <a:t>Fourth level</a:t>
             </a:r>
           </a:p>
           <a:p>
             <a:pPr lvl="4"/>
             <a:r>
-              <a:rPr lang="ru-RU" smtClean="0"/>
-              <a:t>Пятый уровень</a:t>
+              <a:rPr lang="en-US" smtClean="0"/>
+              <a:t>Fifth level</a:t>
             </a:r>
-            <a:endParaRPr lang="ru-RU"/>
+            <a:endParaRPr lang="en-US"/>
           </a:p>
         </p:txBody>
       </p:sp>
       <p:sp>
         <p:nvSpPr>
-          <p:cNvPr id="8" name="Дата 7"/>
+          <p:cNvPr id="8" name="Date Placeholder 7"/>
           <p:cNvSpPr>
             <a:spLocks noGrp="1"/>
           </p:cNvSpPr>
@@ -3387,16 +3387,16 @@
           <a:lstStyle/>
           <a:p>
             <a:fld id="{51E84241-D031-42DE-84E4-CC10C30232F4}" type="datetimeFigureOut">
-              <a:rPr lang="ru-RU" smtClean="0"/>
+              <a:rPr lang="en-US" smtClean="0"/>
               <a:t>26.12.2019</a:t>
             </a:fld>
-            <a:endParaRPr lang="ru-RU"/>
+            <a:endParaRPr lang="en-US"/>
           </a:p>
         </p:txBody>
       </p:sp>
       <p:sp>
         <p:nvSpPr>
-          <p:cNvPr id="9" name="Нижний колонтитул 8"/>
+          <p:cNvPr id="9" name="Footer Placeholder 8"/>
           <p:cNvSpPr>
             <a:spLocks noGrp="1"/>
           </p:cNvSpPr>
@@ -3409,13 +3409,13 @@
           <a:bodyPr/>
           <a:lstStyle/>
           <a:p>
-            <a:endParaRPr lang="ru-RU"/>
+            <a:endParaRPr lang="en-US"/>
           </a:p>
         </p:txBody>
       </p:sp>
       <p:sp>
         <p:nvSpPr>
-          <p:cNvPr id="10" name="Номер слайда 9"/>
+          <p:cNvPr id="10" name="Slide Number Placeholder 9"/>
           <p:cNvSpPr>
             <a:spLocks noGrp="1"/>
           </p:cNvSpPr>
@@ -3439,7 +3439,7 @@
       </p:sp>
       <p:sp>
         <p:nvSpPr>
-          <p:cNvPr id="11" name="Заголовок 10"/>
+          <p:cNvPr id="11" name="Title 10"/>
           <p:cNvSpPr>
             <a:spLocks noGrp="1"/>
           </p:cNvSpPr>
@@ -3453,10 +3453,10 @@
           <a:lstStyle/>
           <a:p>
             <a:r>
-              <a:rPr lang="ru-RU" smtClean="0"/>
-              <a:t>Образец заголовка</a:t>
+              <a:rPr lang="en-US" smtClean="0"/>
+              <a:t>Click to edit Master title style</a:t>
             </a:r>
-            <a:endParaRPr lang="ru-RU"/>
+            <a:endParaRPr lang="en-US"/>
           </a:p>
         </p:txBody>
       </p:sp>
@@ -3492,7 +3492,7 @@
       </p:grpSpPr>
       <p:sp>
         <p:nvSpPr>
-          <p:cNvPr id="3" name="Текст 2"/>
+          <p:cNvPr id="3" name="Text Placeholder 2"/>
           <p:cNvSpPr>
             <a:spLocks noGrp="1"/>
           </p:cNvSpPr>
@@ -3549,15 +3549,15 @@
           <a:p>
             <a:pPr lvl="0"/>
             <a:r>
-              <a:rPr lang="ru-RU" smtClean="0"/>
-              <a:t>Образец текста</a:t>
+              <a:rPr lang="en-US" smtClean="0"/>
+              <a:t>Click to edit Master text styles</a:t>
             </a:r>
           </a:p>
         </p:txBody>
       </p:sp>
       <p:sp>
         <p:nvSpPr>
-          <p:cNvPr id="4" name="Объект 3"/>
+          <p:cNvPr id="4" name="Content Placeholder 3"/>
           <p:cNvSpPr>
             <a:spLocks noGrp="1"/>
           </p:cNvSpPr>
@@ -3605,44 +3605,44 @@
           <a:p>
             <a:pPr lvl="0"/>
             <a:r>
-              <a:rPr lang="ru-RU" smtClean="0"/>
-              <a:t>Образец текста</a:t>
+              <a:rPr lang="en-US" smtClean="0"/>
+              <a:t>Click to edit Master text styles</a:t>
             </a:r>
           </a:p>
           <a:p>
             <a:pPr lvl="1"/>
             <a:r>
-              <a:rPr lang="ru-RU" smtClean="0"/>
-              <a:t>Второй уровень</a:t>
+              <a:rPr lang="en-US" smtClean="0"/>
+              <a:t>Second level</a:t>
             </a:r>
           </a:p>
           <a:p>
             <a:pPr lvl="2"/>
             <a:r>
-              <a:rPr lang="ru-RU" smtClean="0"/>
-              <a:t>Третий уровень</a:t>
+              <a:rPr lang="en-US" smtClean="0"/>
+              <a:t>Third level</a:t>
             </a:r>
           </a:p>
           <a:p>
             <a:pPr lvl="3"/>
             <a:r>
-              <a:rPr lang="ru-RU" smtClean="0"/>
-              <a:t>Четвертый уровень</a:t>
+              <a:rPr lang="en-US" smtClean="0"/>
+              <a:t>Fourth level</a:t>
             </a:r>
           </a:p>
           <a:p>
             <a:pPr lvl="4"/>
             <a:r>
-              <a:rPr lang="ru-RU" smtClean="0"/>
-              <a:t>Пятый уровень</a:t>
+              <a:rPr lang="en-US" smtClean="0"/>
+              <a:t>Fifth level</a:t>
             </a:r>
-            <a:endParaRPr lang="ru-RU"/>
+            <a:endParaRPr lang="en-US"/>
           </a:p>
         </p:txBody>
       </p:sp>
       <p:sp>
         <p:nvSpPr>
-          <p:cNvPr id="5" name="Текст 4"/>
+          <p:cNvPr id="5" name="Text Placeholder 4"/>
           <p:cNvSpPr>
             <a:spLocks noGrp="1"/>
           </p:cNvSpPr>
@@ -3699,15 +3699,15 @@
           <a:p>
             <a:pPr lvl="0"/>
             <a:r>
-              <a:rPr lang="ru-RU" smtClean="0"/>
-              <a:t>Образец текста</a:t>
+              <a:rPr lang="en-US" smtClean="0"/>
+              <a:t>Click to edit Master text styles</a:t>
             </a:r>
           </a:p>
         </p:txBody>
       </p:sp>
       <p:sp>
         <p:nvSpPr>
-          <p:cNvPr id="6" name="Объект 5"/>
+          <p:cNvPr id="6" name="Content Placeholder 5"/>
           <p:cNvSpPr>
             <a:spLocks noGrp="1"/>
           </p:cNvSpPr>
@@ -3755,44 +3755,44 @@
           <a:p>
             <a:pPr lvl="0"/>
             <a:r>
-              <a:rPr lang="ru-RU" smtClean="0"/>
-              <a:t>Образец текста</a:t>
+              <a:rPr lang="en-US" smtClean="0"/>
+              <a:t>Click to edit Master text styles</a:t>
             </a:r>
           </a:p>
           <a:p>
             <a:pPr lvl="1"/>
             <a:r>
-              <a:rPr lang="ru-RU" smtClean="0"/>
-              <a:t>Второй уровень</a:t>
+              <a:rPr lang="en-US" smtClean="0"/>
+              <a:t>Second level</a:t>
             </a:r>
           </a:p>
           <a:p>
             <a:pPr lvl="2"/>
             <a:r>
-              <a:rPr lang="ru-RU" smtClean="0"/>
-              <a:t>Третий уровень</a:t>
+              <a:rPr lang="en-US" smtClean="0"/>
+              <a:t>Third level</a:t>
             </a:r>
           </a:p>
           <a:p>
             <a:pPr lvl="3"/>
             <a:r>
-              <a:rPr lang="ru-RU" smtClean="0"/>
-              <a:t>Четвертый уровень</a:t>
+              <a:rPr lang="en-US" smtClean="0"/>
+              <a:t>Fourth level</a:t>
             </a:r>
           </a:p>
           <a:p>
             <a:pPr lvl="4"/>
             <a:r>
-              <a:rPr lang="ru-RU" smtClean="0"/>
-              <a:t>Пятый уровень</a:t>
+              <a:rPr lang="en-US" smtClean="0"/>
+              <a:t>Fifth level</a:t>
             </a:r>
-            <a:endParaRPr lang="ru-RU"/>
+            <a:endParaRPr lang="en-US"/>
           </a:p>
         </p:txBody>
       </p:sp>
       <p:sp>
         <p:nvSpPr>
-          <p:cNvPr id="10" name="Дата 9"/>
+          <p:cNvPr id="10" name="Date Placeholder 9"/>
           <p:cNvSpPr>
             <a:spLocks noGrp="1"/>
           </p:cNvSpPr>
@@ -3806,16 +3806,16 @@
           <a:lstStyle/>
           <a:p>
             <a:fld id="{51E84241-D031-42DE-84E4-CC10C30232F4}" type="datetimeFigureOut">
-              <a:rPr lang="ru-RU" smtClean="0"/>
+              <a:rPr lang="en-US" smtClean="0"/>
               <a:t>26.12.2019</a:t>
             </a:fld>
-            <a:endParaRPr lang="ru-RU"/>
+            <a:endParaRPr lang="en-US"/>
           </a:p>
         </p:txBody>
       </p:sp>
       <p:sp>
         <p:nvSpPr>
-          <p:cNvPr id="11" name="Нижний колонтитул 10"/>
+          <p:cNvPr id="11" name="Footer Placeholder 10"/>
           <p:cNvSpPr>
             <a:spLocks noGrp="1"/>
           </p:cNvSpPr>
@@ -3828,13 +3828,13 @@
           <a:bodyPr/>
           <a:lstStyle/>
           <a:p>
-            <a:endParaRPr lang="ru-RU"/>
+            <a:endParaRPr lang="en-US"/>
           </a:p>
         </p:txBody>
       </p:sp>
       <p:sp>
         <p:nvSpPr>
-          <p:cNvPr id="12" name="Номер слайда 11"/>
+          <p:cNvPr id="12" name="Slide Number Placeholder 11"/>
           <p:cNvSpPr>
             <a:spLocks noGrp="1"/>
           </p:cNvSpPr>
@@ -3858,7 +3858,7 @@
       </p:sp>
       <p:sp>
         <p:nvSpPr>
-          <p:cNvPr id="13" name="Заголовок 12"/>
+          <p:cNvPr id="13" name="Title 12"/>
           <p:cNvSpPr>
             <a:spLocks noGrp="1"/>
           </p:cNvSpPr>
@@ -3872,10 +3872,10 @@
           <a:lstStyle/>
           <a:p>
             <a:r>
-              <a:rPr lang="ru-RU" smtClean="0"/>
-              <a:t>Образец заголовка</a:t>
+              <a:rPr lang="en-US" smtClean="0"/>
+              <a:t>Click to edit Master title style</a:t>
             </a:r>
-            <a:endParaRPr lang="ru-RU"/>
+            <a:endParaRPr lang="en-US"/>
           </a:p>
         </p:txBody>
       </p:sp>
@@ -3911,7 +3911,7 @@
       </p:grpSpPr>
       <p:sp>
         <p:nvSpPr>
-          <p:cNvPr id="9" name="Заголовок 8"/>
+          <p:cNvPr id="9" name="Title 8"/>
           <p:cNvSpPr>
             <a:spLocks noGrp="1"/>
           </p:cNvSpPr>
@@ -3925,16 +3925,16 @@
           <a:lstStyle/>
           <a:p>
             <a:r>
-              <a:rPr lang="ru-RU" smtClean="0"/>
-              <a:t>Образец заголовка</a:t>
+              <a:rPr lang="en-US" smtClean="0"/>
+              <a:t>Click to edit Master title style</a:t>
             </a:r>
-            <a:endParaRPr lang="ru-RU"/>
+            <a:endParaRPr lang="en-US"/>
           </a:p>
         </p:txBody>
       </p:sp>
       <p:sp>
         <p:nvSpPr>
-          <p:cNvPr id="10" name="Дата 9"/>
+          <p:cNvPr id="10" name="Date Placeholder 9"/>
           <p:cNvSpPr>
             <a:spLocks noGrp="1"/>
           </p:cNvSpPr>
@@ -3948,16 +3948,16 @@
           <a:lstStyle/>
           <a:p>
             <a:fld id="{51E84241-D031-42DE-84E4-CC10C30232F4}" type="datetimeFigureOut">
-              <a:rPr lang="ru-RU" smtClean="0"/>
+              <a:rPr lang="en-US" smtClean="0"/>
               <a:t>26.12.2019</a:t>
             </a:fld>
-            <a:endParaRPr lang="ru-RU"/>
+            <a:endParaRPr lang="en-US"/>
           </a:p>
         </p:txBody>
       </p:sp>
       <p:sp>
         <p:nvSpPr>
-          <p:cNvPr id="11" name="Нижний колонтитул 10"/>
+          <p:cNvPr id="11" name="Footer Placeholder 10"/>
           <p:cNvSpPr>
             <a:spLocks noGrp="1"/>
           </p:cNvSpPr>
@@ -3970,13 +3970,13 @@
           <a:bodyPr/>
           <a:lstStyle/>
           <a:p>
-            <a:endParaRPr lang="ru-RU"/>
+            <a:endParaRPr lang="en-US"/>
           </a:p>
         </p:txBody>
       </p:sp>
       <p:sp>
         <p:nvSpPr>
-          <p:cNvPr id="12" name="Номер слайда 11"/>
+          <p:cNvPr id="12" name="Slide Number Placeholder 11"/>
           <p:cNvSpPr>
             <a:spLocks noGrp="1"/>
           </p:cNvSpPr>
@@ -4030,7 +4030,7 @@
       </p:grpSpPr>
       <p:sp>
         <p:nvSpPr>
-          <p:cNvPr id="19" name="Дата 18"/>
+          <p:cNvPr id="19" name="Date Placeholder 18"/>
           <p:cNvSpPr>
             <a:spLocks noGrp="1"/>
           </p:cNvSpPr>
@@ -4044,16 +4044,16 @@
           <a:lstStyle/>
           <a:p>
             <a:fld id="{51E84241-D031-42DE-84E4-CC10C30232F4}" type="datetimeFigureOut">
-              <a:rPr lang="ru-RU" smtClean="0"/>
+              <a:rPr lang="en-US" smtClean="0"/>
               <a:t>26.12.2019</a:t>
             </a:fld>
-            <a:endParaRPr lang="ru-RU" dirty="0"/>
+            <a:endParaRPr lang="en-US" dirty="0"/>
           </a:p>
         </p:txBody>
       </p:sp>
       <p:sp>
         <p:nvSpPr>
-          <p:cNvPr id="20" name="Нижний колонтитул 19"/>
+          <p:cNvPr id="20" name="Footer Placeholder 19"/>
           <p:cNvSpPr>
             <a:spLocks noGrp="1"/>
           </p:cNvSpPr>
@@ -4066,13 +4066,13 @@
           <a:bodyPr/>
           <a:lstStyle/>
           <a:p>
-            <a:endParaRPr lang="ru-RU" dirty="0"/>
+            <a:endParaRPr lang="en-US" dirty="0"/>
           </a:p>
         </p:txBody>
       </p:sp>
       <p:sp>
         <p:nvSpPr>
-          <p:cNvPr id="21" name="Номер слайда 20"/>
+          <p:cNvPr id="21" name="Slide Number Placeholder 20"/>
           <p:cNvSpPr>
             <a:spLocks noGrp="1"/>
           </p:cNvSpPr>
@@ -4126,7 +4126,7 @@
       </p:grpSpPr>
       <p:sp>
         <p:nvSpPr>
-          <p:cNvPr id="3" name="Объект 2"/>
+          <p:cNvPr id="3" name="Content Placeholder 2"/>
           <p:cNvSpPr>
             <a:spLocks noGrp="1"/>
           </p:cNvSpPr>
@@ -4176,44 +4176,44 @@
           <a:p>
             <a:pPr lvl="0"/>
             <a:r>
-              <a:rPr lang="ru-RU" dirty="0" smtClean="0"/>
-              <a:t>Образец текста</a:t>
+              <a:rPr lang="en-US" dirty="0" smtClean="0"/>
+              <a:t>Click to edit Master text styles</a:t>
             </a:r>
           </a:p>
           <a:p>
             <a:pPr lvl="1"/>
             <a:r>
-              <a:rPr lang="ru-RU" dirty="0" smtClean="0"/>
-              <a:t>Второй уровень</a:t>
+              <a:rPr lang="en-US" dirty="0" smtClean="0"/>
+              <a:t>Second level</a:t>
             </a:r>
           </a:p>
           <a:p>
             <a:pPr lvl="2"/>
             <a:r>
-              <a:rPr lang="ru-RU" dirty="0" smtClean="0"/>
-              <a:t>Третий уровень</a:t>
+              <a:rPr lang="en-US" dirty="0" smtClean="0"/>
+              <a:t>Third level</a:t>
             </a:r>
           </a:p>
           <a:p>
             <a:pPr lvl="3"/>
             <a:r>
-              <a:rPr lang="ru-RU" dirty="0" smtClean="0"/>
-              <a:t>Четвертый уровень</a:t>
+              <a:rPr lang="en-US" dirty="0" smtClean="0"/>
+              <a:t>Fourth level</a:t>
             </a:r>
           </a:p>
           <a:p>
             <a:pPr lvl="4"/>
             <a:r>
-              <a:rPr lang="ru-RU" dirty="0" smtClean="0"/>
-              <a:t>Пятый уровень</a:t>
+              <a:rPr lang="en-US" dirty="0" smtClean="0"/>
+              <a:t>Fifth level</a:t>
             </a:r>
-            <a:endParaRPr lang="ru-RU" dirty="0"/>
+            <a:endParaRPr lang="en-US" dirty="0"/>
           </a:p>
         </p:txBody>
       </p:sp>
       <p:sp>
         <p:nvSpPr>
-          <p:cNvPr id="4" name="Текст 3"/>
+          <p:cNvPr id="4" name="Text Placeholder 3"/>
           <p:cNvSpPr>
             <a:spLocks noGrp="1"/>
           </p:cNvSpPr>
@@ -4278,15 +4278,15 @@
           <a:p>
             <a:pPr lvl="0"/>
             <a:r>
-              <a:rPr lang="ru-RU" dirty="0" smtClean="0"/>
-              <a:t>Образец текста</a:t>
+              <a:rPr lang="en-US" dirty="0" smtClean="0"/>
+              <a:t>Click to edit Master text styles</a:t>
             </a:r>
           </a:p>
         </p:txBody>
       </p:sp>
       <p:sp>
         <p:nvSpPr>
-          <p:cNvPr id="5" name="Дата 4"/>
+          <p:cNvPr id="5" name="Date Placeholder 4"/>
           <p:cNvSpPr>
             <a:spLocks noGrp="1"/>
           </p:cNvSpPr>
@@ -4300,16 +4300,16 @@
           <a:lstStyle/>
           <a:p>
             <a:fld id="{51E84241-D031-42DE-84E4-CC10C30232F4}" type="datetimeFigureOut">
-              <a:rPr lang="ru-RU" smtClean="0"/>
+              <a:rPr lang="en-US" smtClean="0"/>
               <a:t>26.12.2019</a:t>
             </a:fld>
-            <a:endParaRPr lang="ru-RU"/>
+            <a:endParaRPr lang="en-US"/>
           </a:p>
         </p:txBody>
       </p:sp>
       <p:sp>
         <p:nvSpPr>
-          <p:cNvPr id="6" name="Нижний колонтитул 5"/>
+          <p:cNvPr id="6" name="Footer Placeholder 5"/>
           <p:cNvSpPr>
             <a:spLocks noGrp="1"/>
           </p:cNvSpPr>
@@ -4322,13 +4322,13 @@
           <a:bodyPr/>
           <a:lstStyle/>
           <a:p>
-            <a:endParaRPr lang="ru-RU"/>
+            <a:endParaRPr lang="en-US"/>
           </a:p>
         </p:txBody>
       </p:sp>
       <p:sp>
         <p:nvSpPr>
-          <p:cNvPr id="7" name="Номер слайда 6"/>
+          <p:cNvPr id="7" name="Slide Number Placeholder 6"/>
           <p:cNvSpPr>
             <a:spLocks noGrp="1"/>
           </p:cNvSpPr>
@@ -4342,16 +4342,16 @@
           <a:lstStyle/>
           <a:p>
             <a:fld id="{6B5AA3AA-5EA9-4976-BF6C-9891F6110747}" type="slidenum">
-              <a:rPr lang="ru-RU" smtClean="0"/>
+              <a:rPr lang="en-US" smtClean="0"/>
               <a:t>‹#›</a:t>
             </a:fld>
-            <a:endParaRPr lang="ru-RU"/>
+            <a:endParaRPr lang="en-US"/>
           </a:p>
         </p:txBody>
       </p:sp>
       <p:sp>
         <p:nvSpPr>
-          <p:cNvPr id="9" name="Заголовок 8"/>
+          <p:cNvPr id="9" name="Title 8"/>
           <p:cNvSpPr>
             <a:spLocks noGrp="1"/>
           </p:cNvSpPr>
@@ -4365,10 +4365,10 @@
           <a:lstStyle/>
           <a:p>
             <a:r>
-              <a:rPr lang="ru-RU" smtClean="0"/>
-              <a:t>Образец заголовка</a:t>
+              <a:rPr lang="en-US" smtClean="0"/>
+              <a:t>Click to edit Master title style</a:t>
             </a:r>
-            <a:endParaRPr lang="ru-RU"/>
+            <a:endParaRPr lang="en-US"/>
           </a:p>
         </p:txBody>
       </p:sp>
@@ -4404,7 +4404,7 @@
       </p:grpSpPr>
       <p:sp>
         <p:nvSpPr>
-          <p:cNvPr id="2" name="Заголовок 1"/>
+          <p:cNvPr id="2" name="Title 1"/>
           <p:cNvSpPr>
             <a:spLocks noGrp="1"/>
           </p:cNvSpPr>
@@ -4427,16 +4427,16 @@
           </a:lstStyle>
           <a:p>
             <a:r>
-              <a:rPr lang="ru-RU" smtClean="0"/>
-              <a:t>Образец заголовка</a:t>
+              <a:rPr lang="en-US" smtClean="0"/>
+              <a:t>Click to edit Master title style</a:t>
             </a:r>
-            <a:endParaRPr lang="ru-RU" dirty="0"/>
+            <a:endParaRPr lang="en-US" dirty="0"/>
           </a:p>
         </p:txBody>
       </p:sp>
       <p:sp>
         <p:nvSpPr>
-          <p:cNvPr id="3" name="Рисунок 2"/>
+          <p:cNvPr id="3" name="Picture Placeholder 2"/>
           <p:cNvSpPr>
             <a:spLocks noGrp="1"/>
           </p:cNvSpPr>
@@ -4492,16 +4492,16 @@
           </a:lstStyle>
           <a:p>
             <a:r>
-              <a:rPr lang="ru-RU" smtClean="0"/>
-              <a:t>Вставка рисунка</a:t>
+              <a:rPr lang="en-US" smtClean="0"/>
+              <a:t>Click icon to add picture</a:t>
             </a:r>
-            <a:endParaRPr lang="ru-RU"/>
+            <a:endParaRPr lang="en-US"/>
           </a:p>
         </p:txBody>
       </p:sp>
       <p:sp>
         <p:nvSpPr>
-          <p:cNvPr id="4" name="Текст 3"/>
+          <p:cNvPr id="4" name="Text Placeholder 3"/>
           <p:cNvSpPr>
             <a:spLocks noGrp="1"/>
           </p:cNvSpPr>
@@ -4558,15 +4558,15 @@
           <a:p>
             <a:pPr lvl="0"/>
             <a:r>
-              <a:rPr lang="ru-RU" dirty="0" smtClean="0"/>
-              <a:t>Образец текста</a:t>
+              <a:rPr lang="en-US" dirty="0" smtClean="0"/>
+              <a:t>Click to edit Master text styles</a:t>
             </a:r>
           </a:p>
         </p:txBody>
       </p:sp>
       <p:sp>
         <p:nvSpPr>
-          <p:cNvPr id="9" name="Дата 8"/>
+          <p:cNvPr id="9" name="Date Placeholder 8"/>
           <p:cNvSpPr>
             <a:spLocks noGrp="1"/>
           </p:cNvSpPr>
@@ -4580,16 +4580,16 @@
           <a:lstStyle/>
           <a:p>
             <a:fld id="{51E84241-D031-42DE-84E4-CC10C30232F4}" type="datetimeFigureOut">
-              <a:rPr lang="ru-RU" smtClean="0"/>
+              <a:rPr lang="en-US" smtClean="0"/>
               <a:t>26.12.2019</a:t>
             </a:fld>
-            <a:endParaRPr lang="ru-RU"/>
+            <a:endParaRPr lang="en-US"/>
           </a:p>
         </p:txBody>
       </p:sp>
       <p:sp>
         <p:nvSpPr>
-          <p:cNvPr id="10" name="Нижний колонтитул 9"/>
+          <p:cNvPr id="10" name="Footer Placeholder 9"/>
           <p:cNvSpPr>
             <a:spLocks noGrp="1"/>
           </p:cNvSpPr>
@@ -4602,13 +4602,13 @@
           <a:bodyPr/>
           <a:lstStyle/>
           <a:p>
-            <a:endParaRPr lang="ru-RU"/>
+            <a:endParaRPr lang="en-US"/>
           </a:p>
         </p:txBody>
       </p:sp>
       <p:sp>
         <p:nvSpPr>
-          <p:cNvPr id="11" name="Номер слайда 10"/>
+          <p:cNvPr id="11" name="Slide Number Placeholder 10"/>
           <p:cNvSpPr>
             <a:spLocks noGrp="1"/>
           </p:cNvSpPr>
@@ -4667,7 +4667,7 @@
       </p:grpSpPr>
       <p:sp>
         <p:nvSpPr>
-          <p:cNvPr id="246" name="Прямоугольник 245"/>
+          <p:cNvPr id="246" name="Rectangle 245"/>
           <p:cNvSpPr/>
           <p:nvPr userDrawn="1"/>
         </p:nvSpPr>
@@ -4689,7 +4689,7 @@
       </p:sp>
       <p:sp>
         <p:nvSpPr>
-          <p:cNvPr id="351" name="Прямоугольник 350"/>
+          <p:cNvPr id="351" name="Rectangle 350"/>
           <p:cNvSpPr/>
           <p:nvPr userDrawn="1"/>
         </p:nvSpPr>
@@ -4725,7 +4725,7 @@
         </p:grpSpPr>
         <p:grpSp>
           <p:nvGrpSpPr>
-            <p:cNvPr id="113" name="Группа 112"/>
+            <p:cNvPr id="113" name="Group 112"/>
             <p:cNvGrpSpPr/>
             <p:nvPr userDrawn="1"/>
           </p:nvGrpSpPr>
@@ -4739,7 +4739,7 @@
           </p:grpSpPr>
           <p:sp>
             <p:nvSpPr>
-              <p:cNvPr id="6" name="Прямоугольник 5"/>
+              <p:cNvPr id="6" name="Rectangle 5"/>
               <p:cNvSpPr/>
               <p:nvPr userDrawn="1"/>
             </p:nvSpPr>
@@ -4761,7 +4761,7 @@
           </p:sp>
           <p:grpSp>
             <p:nvGrpSpPr>
-              <p:cNvPr id="5" name="Группа 4"/>
+              <p:cNvPr id="5" name="Group 4"/>
               <p:cNvGrpSpPr/>
               <p:nvPr userDrawn="1"/>
             </p:nvGrpSpPr>
@@ -4775,7 +4775,7 @@
             </p:grpSpPr>
             <p:sp>
               <p:nvSpPr>
-                <p:cNvPr id="158" name="Прямоугольник 157"/>
+                <p:cNvPr id="158" name="Rectangle 157"/>
                 <p:cNvSpPr/>
                 <p:nvPr userDrawn="1"/>
               </p:nvSpPr>
@@ -4800,7 +4800,7 @@
             </p:sp>
             <p:sp>
               <p:nvSpPr>
-                <p:cNvPr id="159" name="Прямоугольник 158"/>
+                <p:cNvPr id="159" name="Rectangle 158"/>
                 <p:cNvSpPr/>
                 <p:nvPr userDrawn="1"/>
               </p:nvSpPr>
@@ -4826,7 +4826,7 @@
             </p:sp>
             <p:sp>
               <p:nvSpPr>
-                <p:cNvPr id="160" name="Прямоугольник 159"/>
+                <p:cNvPr id="160" name="Rectangle 159"/>
                 <p:cNvSpPr/>
                 <p:nvPr userDrawn="1"/>
               </p:nvSpPr>
@@ -4852,7 +4852,7 @@
             </p:sp>
             <p:sp>
               <p:nvSpPr>
-                <p:cNvPr id="161" name="Прямоугольник 160"/>
+                <p:cNvPr id="161" name="Rectangle 160"/>
                 <p:cNvSpPr/>
                 <p:nvPr userDrawn="1"/>
               </p:nvSpPr>
@@ -4878,7 +4878,7 @@
             </p:sp>
             <p:sp>
               <p:nvSpPr>
-                <p:cNvPr id="162" name="Прямоугольник 161"/>
+                <p:cNvPr id="162" name="Rectangle 161"/>
                 <p:cNvSpPr/>
                 <p:nvPr userDrawn="1"/>
               </p:nvSpPr>
@@ -4904,7 +4904,7 @@
             </p:sp>
             <p:sp>
               <p:nvSpPr>
-                <p:cNvPr id="163" name="Прямоугольник 162"/>
+                <p:cNvPr id="163" name="Rectangle 162"/>
                 <p:cNvSpPr/>
                 <p:nvPr userDrawn="1"/>
               </p:nvSpPr>
@@ -4930,7 +4930,7 @@
             </p:sp>
             <p:sp>
               <p:nvSpPr>
-                <p:cNvPr id="164" name="Прямоугольник 163"/>
+                <p:cNvPr id="164" name="Rectangle 163"/>
                 <p:cNvSpPr/>
                 <p:nvPr userDrawn="1"/>
               </p:nvSpPr>
@@ -4954,7 +4954,7 @@
             </p:sp>
             <p:sp>
               <p:nvSpPr>
-                <p:cNvPr id="165" name="Прямоугольник 164"/>
+                <p:cNvPr id="165" name="Rectangle 164"/>
                 <p:cNvSpPr/>
                 <p:nvPr userDrawn="1"/>
               </p:nvSpPr>
@@ -4979,7 +4979,7 @@
             </p:sp>
             <p:sp>
               <p:nvSpPr>
-                <p:cNvPr id="166" name="Прямоугольник 165"/>
+                <p:cNvPr id="166" name="Rectangle 165"/>
                 <p:cNvSpPr/>
                 <p:nvPr userDrawn="1"/>
               </p:nvSpPr>
@@ -5006,7 +5006,7 @@
         </p:grpSp>
         <p:grpSp>
           <p:nvGrpSpPr>
-            <p:cNvPr id="191" name="Группа 190"/>
+            <p:cNvPr id="191" name="Group 190"/>
             <p:cNvGrpSpPr/>
             <p:nvPr userDrawn="1"/>
           </p:nvGrpSpPr>
@@ -5020,7 +5020,7 @@
           </p:grpSpPr>
           <p:sp>
             <p:nvSpPr>
-              <p:cNvPr id="192" name="Прямоугольник 191"/>
+              <p:cNvPr id="192" name="Rectangle 191"/>
               <p:cNvSpPr/>
               <p:nvPr userDrawn="1"/>
             </p:nvSpPr>
@@ -5042,7 +5042,7 @@
           </p:sp>
           <p:grpSp>
             <p:nvGrpSpPr>
-              <p:cNvPr id="193" name="Группа 192"/>
+              <p:cNvPr id="193" name="Group 192"/>
               <p:cNvGrpSpPr/>
               <p:nvPr userDrawn="1"/>
             </p:nvGrpSpPr>
@@ -5056,7 +5056,7 @@
             </p:grpSpPr>
             <p:sp>
               <p:nvSpPr>
-                <p:cNvPr id="194" name="Прямоугольник 193"/>
+                <p:cNvPr id="194" name="Rectangle 193"/>
                 <p:cNvSpPr/>
                 <p:nvPr userDrawn="1"/>
               </p:nvSpPr>
@@ -5081,7 +5081,7 @@
             </p:sp>
             <p:sp>
               <p:nvSpPr>
-                <p:cNvPr id="195" name="Прямоугольник 194"/>
+                <p:cNvPr id="195" name="Rectangle 194"/>
                 <p:cNvSpPr/>
                 <p:nvPr userDrawn="1"/>
               </p:nvSpPr>
@@ -5107,7 +5107,7 @@
             </p:sp>
             <p:sp>
               <p:nvSpPr>
-                <p:cNvPr id="196" name="Прямоугольник 195"/>
+                <p:cNvPr id="196" name="Rectangle 195"/>
                 <p:cNvSpPr/>
                 <p:nvPr userDrawn="1"/>
               </p:nvSpPr>
@@ -5133,7 +5133,7 @@
             </p:sp>
             <p:sp>
               <p:nvSpPr>
-                <p:cNvPr id="197" name="Прямоугольник 196"/>
+                <p:cNvPr id="197" name="Rectangle 196"/>
                 <p:cNvSpPr/>
                 <p:nvPr userDrawn="1"/>
               </p:nvSpPr>
@@ -5159,7 +5159,7 @@
             </p:sp>
             <p:sp>
               <p:nvSpPr>
-                <p:cNvPr id="198" name="Прямоугольник 197"/>
+                <p:cNvPr id="198" name="Rectangle 197"/>
                 <p:cNvSpPr/>
                 <p:nvPr userDrawn="1"/>
               </p:nvSpPr>
@@ -5185,7 +5185,7 @@
             </p:sp>
             <p:sp>
               <p:nvSpPr>
-                <p:cNvPr id="199" name="Прямоугольник 198"/>
+                <p:cNvPr id="199" name="Rectangle 198"/>
                 <p:cNvSpPr/>
                 <p:nvPr userDrawn="1"/>
               </p:nvSpPr>
@@ -5211,7 +5211,7 @@
             </p:sp>
             <p:sp>
               <p:nvSpPr>
-                <p:cNvPr id="200" name="Прямоугольник 199"/>
+                <p:cNvPr id="200" name="Rectangle 199"/>
                 <p:cNvSpPr/>
                 <p:nvPr userDrawn="1"/>
               </p:nvSpPr>
@@ -5236,7 +5236,7 @@
             </p:sp>
             <p:sp>
               <p:nvSpPr>
-                <p:cNvPr id="201" name="Прямоугольник 200"/>
+                <p:cNvPr id="201" name="Rectangle 200"/>
                 <p:cNvSpPr/>
                 <p:nvPr userDrawn="1"/>
               </p:nvSpPr>
@@ -5260,7 +5260,7 @@
             </p:sp>
             <p:sp>
               <p:nvSpPr>
-                <p:cNvPr id="202" name="Прямоугольник 201"/>
+                <p:cNvPr id="202" name="Rectangle 201"/>
                 <p:cNvSpPr/>
                 <p:nvPr userDrawn="1"/>
               </p:nvSpPr>
@@ -5287,7 +5287,7 @@
         </p:grpSp>
         <p:grpSp>
           <p:nvGrpSpPr>
-            <p:cNvPr id="203" name="Группа 202"/>
+            <p:cNvPr id="203" name="Group 202"/>
             <p:cNvGrpSpPr/>
             <p:nvPr userDrawn="1"/>
           </p:nvGrpSpPr>
@@ -5301,7 +5301,7 @@
           </p:grpSpPr>
           <p:sp>
             <p:nvSpPr>
-              <p:cNvPr id="204" name="Прямоугольник 203"/>
+              <p:cNvPr id="204" name="Rectangle 203"/>
               <p:cNvSpPr/>
               <p:nvPr userDrawn="1"/>
             </p:nvSpPr>
@@ -5323,7 +5323,7 @@
           </p:sp>
           <p:grpSp>
             <p:nvGrpSpPr>
-              <p:cNvPr id="205" name="Группа 204"/>
+              <p:cNvPr id="205" name="Group 204"/>
               <p:cNvGrpSpPr/>
               <p:nvPr userDrawn="1"/>
             </p:nvGrpSpPr>
@@ -5337,7 +5337,7 @@
             </p:grpSpPr>
             <p:sp>
               <p:nvSpPr>
-                <p:cNvPr id="206" name="Прямоугольник 205"/>
+                <p:cNvPr id="206" name="Rectangle 205"/>
                 <p:cNvSpPr/>
                 <p:nvPr userDrawn="1"/>
               </p:nvSpPr>
@@ -5363,7 +5363,7 @@
             </p:sp>
             <p:sp>
               <p:nvSpPr>
-                <p:cNvPr id="207" name="Прямоугольник 206"/>
+                <p:cNvPr id="207" name="Rectangle 206"/>
                 <p:cNvSpPr/>
                 <p:nvPr userDrawn="1"/>
               </p:nvSpPr>
@@ -5389,7 +5389,7 @@
             </p:sp>
             <p:sp>
               <p:nvSpPr>
-                <p:cNvPr id="208" name="Прямоугольник 207"/>
+                <p:cNvPr id="208" name="Rectangle 207"/>
                 <p:cNvSpPr/>
                 <p:nvPr userDrawn="1"/>
               </p:nvSpPr>
@@ -5415,7 +5415,7 @@
             </p:sp>
             <p:sp>
               <p:nvSpPr>
-                <p:cNvPr id="209" name="Прямоугольник 208"/>
+                <p:cNvPr id="209" name="Rectangle 208"/>
                 <p:cNvSpPr/>
                 <p:nvPr userDrawn="1"/>
               </p:nvSpPr>
@@ -5440,7 +5440,7 @@
             </p:sp>
             <p:sp>
               <p:nvSpPr>
-                <p:cNvPr id="210" name="Прямоугольник 209"/>
+                <p:cNvPr id="210" name="Rectangle 209"/>
                 <p:cNvSpPr/>
                 <p:nvPr userDrawn="1"/>
               </p:nvSpPr>
@@ -5466,7 +5466,7 @@
             </p:sp>
             <p:sp>
               <p:nvSpPr>
-                <p:cNvPr id="211" name="Прямоугольник 210"/>
+                <p:cNvPr id="211" name="Rectangle 210"/>
                 <p:cNvSpPr/>
                 <p:nvPr userDrawn="1"/>
               </p:nvSpPr>
@@ -5492,7 +5492,7 @@
             </p:sp>
             <p:sp>
               <p:nvSpPr>
-                <p:cNvPr id="212" name="Прямоугольник 211"/>
+                <p:cNvPr id="212" name="Rectangle 211"/>
                 <p:cNvSpPr/>
                 <p:nvPr userDrawn="1"/>
               </p:nvSpPr>
@@ -5517,7 +5517,7 @@
             </p:sp>
             <p:sp>
               <p:nvSpPr>
-                <p:cNvPr id="213" name="Прямоугольник 212"/>
+                <p:cNvPr id="213" name="Rectangle 212"/>
                 <p:cNvSpPr/>
                 <p:nvPr userDrawn="1"/>
               </p:nvSpPr>
@@ -5542,7 +5542,7 @@
             </p:sp>
             <p:sp>
               <p:nvSpPr>
-                <p:cNvPr id="214" name="Прямоугольник 213"/>
+                <p:cNvPr id="214" name="Rectangle 213"/>
                 <p:cNvSpPr/>
                 <p:nvPr userDrawn="1"/>
               </p:nvSpPr>
@@ -5569,7 +5569,7 @@
         </p:grpSp>
         <p:grpSp>
           <p:nvGrpSpPr>
-            <p:cNvPr id="215" name="Группа 214"/>
+            <p:cNvPr id="215" name="Group 214"/>
             <p:cNvGrpSpPr/>
             <p:nvPr userDrawn="1"/>
           </p:nvGrpSpPr>
@@ -5583,7 +5583,7 @@
           </p:grpSpPr>
           <p:sp>
             <p:nvSpPr>
-              <p:cNvPr id="216" name="Прямоугольник 215"/>
+              <p:cNvPr id="216" name="Rectangle 215"/>
               <p:cNvSpPr/>
               <p:nvPr userDrawn="1"/>
             </p:nvSpPr>
@@ -5605,7 +5605,7 @@
           </p:sp>
           <p:grpSp>
             <p:nvGrpSpPr>
-              <p:cNvPr id="217" name="Группа 216"/>
+              <p:cNvPr id="217" name="Group 216"/>
               <p:cNvGrpSpPr/>
               <p:nvPr userDrawn="1"/>
             </p:nvGrpSpPr>
@@ -5619,7 +5619,7 @@
             </p:grpSpPr>
             <p:sp>
               <p:nvSpPr>
-                <p:cNvPr id="218" name="Прямоугольник 217"/>
+                <p:cNvPr id="218" name="Rectangle 217"/>
                 <p:cNvSpPr/>
                 <p:nvPr userDrawn="1"/>
               </p:nvSpPr>
@@ -5644,7 +5644,7 @@
             </p:sp>
             <p:sp>
               <p:nvSpPr>
-                <p:cNvPr id="219" name="Прямоугольник 218"/>
+                <p:cNvPr id="219" name="Rectangle 218"/>
                 <p:cNvSpPr/>
                 <p:nvPr userDrawn="1"/>
               </p:nvSpPr>
@@ -5670,7 +5670,7 @@
             </p:sp>
             <p:sp>
               <p:nvSpPr>
-                <p:cNvPr id="220" name="Прямоугольник 219"/>
+                <p:cNvPr id="220" name="Rectangle 219"/>
                 <p:cNvSpPr/>
                 <p:nvPr userDrawn="1"/>
               </p:nvSpPr>
@@ -5695,7 +5695,7 @@
             </p:sp>
             <p:sp>
               <p:nvSpPr>
-                <p:cNvPr id="221" name="Прямоугольник 220"/>
+                <p:cNvPr id="221" name="Rectangle 220"/>
                 <p:cNvSpPr/>
                 <p:nvPr userDrawn="1"/>
               </p:nvSpPr>
@@ -5721,7 +5721,7 @@
             </p:sp>
             <p:sp>
               <p:nvSpPr>
-                <p:cNvPr id="222" name="Прямоугольник 221"/>
+                <p:cNvPr id="222" name="Rectangle 221"/>
                 <p:cNvSpPr/>
                 <p:nvPr userDrawn="1"/>
               </p:nvSpPr>
@@ -5747,7 +5747,7 @@
             </p:sp>
             <p:sp>
               <p:nvSpPr>
-                <p:cNvPr id="223" name="Прямоугольник 222"/>
+                <p:cNvPr id="223" name="Rectangle 222"/>
                 <p:cNvSpPr/>
                 <p:nvPr userDrawn="1"/>
               </p:nvSpPr>
@@ -5773,7 +5773,7 @@
             </p:sp>
             <p:sp>
               <p:nvSpPr>
-                <p:cNvPr id="224" name="Прямоугольник 223"/>
+                <p:cNvPr id="224" name="Rectangle 223"/>
                 <p:cNvSpPr/>
                 <p:nvPr userDrawn="1"/>
               </p:nvSpPr>
@@ -5799,7 +5799,7 @@
             </p:sp>
             <p:sp>
               <p:nvSpPr>
-                <p:cNvPr id="225" name="Прямоугольник 224"/>
+                <p:cNvPr id="225" name="Rectangle 224"/>
                 <p:cNvSpPr/>
                 <p:nvPr userDrawn="1"/>
               </p:nvSpPr>
@@ -5825,7 +5825,7 @@
             </p:sp>
             <p:sp>
               <p:nvSpPr>
-                <p:cNvPr id="226" name="Прямоугольник 225"/>
+                <p:cNvPr id="226" name="Rectangle 225"/>
                 <p:cNvSpPr/>
                 <p:nvPr userDrawn="1"/>
               </p:nvSpPr>
@@ -5853,7 +5853,7 @@
         </p:grpSp>
         <p:grpSp>
           <p:nvGrpSpPr>
-            <p:cNvPr id="227" name="Группа 226"/>
+            <p:cNvPr id="227" name="Group 226"/>
             <p:cNvGrpSpPr/>
             <p:nvPr userDrawn="1"/>
           </p:nvGrpSpPr>
@@ -5867,7 +5867,7 @@
           </p:grpSpPr>
           <p:sp>
             <p:nvSpPr>
-              <p:cNvPr id="228" name="Прямоугольник 227"/>
+              <p:cNvPr id="228" name="Rectangle 227"/>
               <p:cNvSpPr/>
               <p:nvPr userDrawn="1"/>
             </p:nvSpPr>
@@ -5889,7 +5889,7 @@
           </p:sp>
           <p:grpSp>
             <p:nvGrpSpPr>
-              <p:cNvPr id="229" name="Группа 228"/>
+              <p:cNvPr id="229" name="Group 228"/>
               <p:cNvGrpSpPr/>
               <p:nvPr userDrawn="1"/>
             </p:nvGrpSpPr>
@@ -5903,7 +5903,7 @@
             </p:grpSpPr>
             <p:sp>
               <p:nvSpPr>
-                <p:cNvPr id="230" name="Прямоугольник 229"/>
+                <p:cNvPr id="230" name="Rectangle 229"/>
                 <p:cNvSpPr/>
                 <p:nvPr userDrawn="1"/>
               </p:nvSpPr>
@@ -5929,7 +5929,7 @@
             </p:sp>
             <p:sp>
               <p:nvSpPr>
-                <p:cNvPr id="231" name="Прямоугольник 230"/>
+                <p:cNvPr id="231" name="Rectangle 230"/>
                 <p:cNvSpPr/>
                 <p:nvPr userDrawn="1"/>
               </p:nvSpPr>
@@ -5955,7 +5955,7 @@
             </p:sp>
             <p:sp>
               <p:nvSpPr>
-                <p:cNvPr id="232" name="Прямоугольник 231"/>
+                <p:cNvPr id="232" name="Rectangle 231"/>
                 <p:cNvSpPr/>
                 <p:nvPr userDrawn="1"/>
               </p:nvSpPr>
@@ -5980,7 +5980,7 @@
             </p:sp>
             <p:sp>
               <p:nvSpPr>
-                <p:cNvPr id="233" name="Прямоугольник 232"/>
+                <p:cNvPr id="233" name="Rectangle 232"/>
                 <p:cNvSpPr/>
                 <p:nvPr userDrawn="1"/>
               </p:nvSpPr>
@@ -6006,7 +6006,7 @@
             </p:sp>
             <p:sp>
               <p:nvSpPr>
-                <p:cNvPr id="234" name="Прямоугольник 233"/>
+                <p:cNvPr id="234" name="Rectangle 233"/>
                 <p:cNvSpPr/>
                 <p:nvPr userDrawn="1"/>
               </p:nvSpPr>
@@ -6032,7 +6032,7 @@
             </p:sp>
             <p:sp>
               <p:nvSpPr>
-                <p:cNvPr id="235" name="Прямоугольник 234"/>
+                <p:cNvPr id="235" name="Rectangle 234"/>
                 <p:cNvSpPr/>
                 <p:nvPr userDrawn="1"/>
               </p:nvSpPr>
@@ -6058,7 +6058,7 @@
             </p:sp>
             <p:sp>
               <p:nvSpPr>
-                <p:cNvPr id="236" name="Прямоугольник 235"/>
+                <p:cNvPr id="236" name="Rectangle 235"/>
                 <p:cNvSpPr/>
                 <p:nvPr userDrawn="1"/>
               </p:nvSpPr>
@@ -6083,7 +6083,7 @@
             </p:sp>
             <p:sp>
               <p:nvSpPr>
-                <p:cNvPr id="237" name="Прямоугольник 236"/>
+                <p:cNvPr id="237" name="Rectangle 236"/>
                 <p:cNvSpPr/>
                 <p:nvPr userDrawn="1"/>
               </p:nvSpPr>
@@ -6107,7 +6107,7 @@
             </p:sp>
             <p:sp>
               <p:nvSpPr>
-                <p:cNvPr id="238" name="Прямоугольник 237"/>
+                <p:cNvPr id="238" name="Rectangle 237"/>
                 <p:cNvSpPr/>
                 <p:nvPr userDrawn="1"/>
               </p:nvSpPr>
@@ -6134,7 +6134,7 @@
         </p:grpSp>
         <p:grpSp>
           <p:nvGrpSpPr>
-            <p:cNvPr id="241" name="Группа 240"/>
+            <p:cNvPr id="241" name="Group 240"/>
             <p:cNvGrpSpPr/>
             <p:nvPr userDrawn="1"/>
           </p:nvGrpSpPr>
@@ -6148,7 +6148,7 @@
           </p:grpSpPr>
           <p:sp>
             <p:nvSpPr>
-              <p:cNvPr id="290" name="Прямоугольник 289"/>
+              <p:cNvPr id="290" name="Rectangle 289"/>
               <p:cNvSpPr/>
               <p:nvPr userDrawn="1"/>
             </p:nvSpPr>
@@ -6170,7 +6170,7 @@
           </p:sp>
           <p:grpSp>
             <p:nvGrpSpPr>
-              <p:cNvPr id="291" name="Группа 290"/>
+              <p:cNvPr id="291" name="Group 290"/>
               <p:cNvGrpSpPr/>
               <p:nvPr userDrawn="1"/>
             </p:nvGrpSpPr>
@@ -6184,7 +6184,7 @@
             </p:grpSpPr>
             <p:sp>
               <p:nvSpPr>
-                <p:cNvPr id="292" name="Прямоугольник 291"/>
+                <p:cNvPr id="292" name="Rectangle 291"/>
                 <p:cNvSpPr/>
                 <p:nvPr userDrawn="1"/>
               </p:nvSpPr>
@@ -6209,7 +6209,7 @@
             </p:sp>
             <p:sp>
               <p:nvSpPr>
-                <p:cNvPr id="293" name="Прямоугольник 292"/>
+                <p:cNvPr id="293" name="Rectangle 292"/>
                 <p:cNvSpPr/>
                 <p:nvPr userDrawn="1"/>
               </p:nvSpPr>
@@ -6235,7 +6235,7 @@
             </p:sp>
             <p:sp>
               <p:nvSpPr>
-                <p:cNvPr id="294" name="Прямоугольник 293"/>
+                <p:cNvPr id="294" name="Rectangle 293"/>
                 <p:cNvSpPr/>
                 <p:nvPr userDrawn="1"/>
               </p:nvSpPr>
@@ -6261,7 +6261,7 @@
             </p:sp>
             <p:sp>
               <p:nvSpPr>
-                <p:cNvPr id="295" name="Прямоугольник 294"/>
+                <p:cNvPr id="295" name="Rectangle 294"/>
                 <p:cNvSpPr/>
                 <p:nvPr userDrawn="1"/>
               </p:nvSpPr>
@@ -6287,7 +6287,7 @@
             </p:sp>
             <p:sp>
               <p:nvSpPr>
-                <p:cNvPr id="296" name="Прямоугольник 295"/>
+                <p:cNvPr id="296" name="Rectangle 295"/>
                 <p:cNvSpPr/>
                 <p:nvPr userDrawn="1"/>
               </p:nvSpPr>
@@ -6313,7 +6313,7 @@
             </p:sp>
             <p:sp>
               <p:nvSpPr>
-                <p:cNvPr id="297" name="Прямоугольник 296"/>
+                <p:cNvPr id="297" name="Rectangle 296"/>
                 <p:cNvSpPr/>
                 <p:nvPr userDrawn="1"/>
               </p:nvSpPr>
@@ -6339,7 +6339,7 @@
             </p:sp>
             <p:sp>
               <p:nvSpPr>
-                <p:cNvPr id="298" name="Прямоугольник 297"/>
+                <p:cNvPr id="298" name="Rectangle 297"/>
                 <p:cNvSpPr/>
                 <p:nvPr userDrawn="1"/>
               </p:nvSpPr>
@@ -6363,7 +6363,7 @@
             </p:sp>
             <p:sp>
               <p:nvSpPr>
-                <p:cNvPr id="299" name="Прямоугольник 298"/>
+                <p:cNvPr id="299" name="Rectangle 298"/>
                 <p:cNvSpPr/>
                 <p:nvPr userDrawn="1"/>
               </p:nvSpPr>
@@ -6388,7 +6388,7 @@
             </p:sp>
             <p:sp>
               <p:nvSpPr>
-                <p:cNvPr id="300" name="Прямоугольник 299"/>
+                <p:cNvPr id="300" name="Rectangle 299"/>
                 <p:cNvSpPr/>
                 <p:nvPr userDrawn="1"/>
               </p:nvSpPr>
@@ -6415,7 +6415,7 @@
         </p:grpSp>
         <p:grpSp>
           <p:nvGrpSpPr>
-            <p:cNvPr id="242" name="Группа 241"/>
+            <p:cNvPr id="242" name="Group 241"/>
             <p:cNvGrpSpPr/>
             <p:nvPr userDrawn="1"/>
           </p:nvGrpSpPr>
@@ -6429,7 +6429,7 @@
           </p:grpSpPr>
           <p:sp>
             <p:nvSpPr>
-              <p:cNvPr id="279" name="Прямоугольник 278"/>
+              <p:cNvPr id="279" name="Rectangle 278"/>
               <p:cNvSpPr/>
               <p:nvPr userDrawn="1"/>
             </p:nvSpPr>
@@ -6451,7 +6451,7 @@
           </p:sp>
           <p:grpSp>
             <p:nvGrpSpPr>
-              <p:cNvPr id="280" name="Группа 279"/>
+              <p:cNvPr id="280" name="Group 279"/>
               <p:cNvGrpSpPr/>
               <p:nvPr userDrawn="1"/>
             </p:nvGrpSpPr>
@@ -6465,7 +6465,7 @@
             </p:grpSpPr>
             <p:sp>
               <p:nvSpPr>
-                <p:cNvPr id="281" name="Прямоугольник 280"/>
+                <p:cNvPr id="281" name="Rectangle 280"/>
                 <p:cNvSpPr/>
                 <p:nvPr userDrawn="1"/>
               </p:nvSpPr>
@@ -6490,7 +6490,7 @@
             </p:sp>
             <p:sp>
               <p:nvSpPr>
-                <p:cNvPr id="282" name="Прямоугольник 281"/>
+                <p:cNvPr id="282" name="Rectangle 281"/>
                 <p:cNvSpPr/>
                 <p:nvPr userDrawn="1"/>
               </p:nvSpPr>
@@ -6516,7 +6516,7 @@
             </p:sp>
             <p:sp>
               <p:nvSpPr>
-                <p:cNvPr id="283" name="Прямоугольник 282"/>
+                <p:cNvPr id="283" name="Rectangle 282"/>
                 <p:cNvSpPr/>
                 <p:nvPr userDrawn="1"/>
               </p:nvSpPr>
@@ -6542,7 +6542,7 @@
             </p:sp>
             <p:sp>
               <p:nvSpPr>
-                <p:cNvPr id="284" name="Прямоугольник 283"/>
+                <p:cNvPr id="284" name="Rectangle 283"/>
                 <p:cNvSpPr/>
                 <p:nvPr userDrawn="1"/>
               </p:nvSpPr>
@@ -6568,7 +6568,7 @@
             </p:sp>
             <p:sp>
               <p:nvSpPr>
-                <p:cNvPr id="285" name="Прямоугольник 284"/>
+                <p:cNvPr id="285" name="Rectangle 284"/>
                 <p:cNvSpPr/>
                 <p:nvPr userDrawn="1"/>
               </p:nvSpPr>
@@ -6594,7 +6594,7 @@
             </p:sp>
             <p:sp>
               <p:nvSpPr>
-                <p:cNvPr id="286" name="Прямоугольник 285"/>
+                <p:cNvPr id="286" name="Rectangle 285"/>
                 <p:cNvSpPr/>
                 <p:nvPr userDrawn="1"/>
               </p:nvSpPr>
@@ -6620,7 +6620,7 @@
             </p:sp>
             <p:sp>
               <p:nvSpPr>
-                <p:cNvPr id="287" name="Прямоугольник 286"/>
+                <p:cNvPr id="287" name="Rectangle 286"/>
                 <p:cNvSpPr/>
                 <p:nvPr userDrawn="1"/>
               </p:nvSpPr>
@@ -6645,7 +6645,7 @@
             </p:sp>
             <p:sp>
               <p:nvSpPr>
-                <p:cNvPr id="288" name="Прямоугольник 287"/>
+                <p:cNvPr id="288" name="Rectangle 287"/>
                 <p:cNvSpPr/>
                 <p:nvPr userDrawn="1"/>
               </p:nvSpPr>
@@ -6669,7 +6669,7 @@
             </p:sp>
             <p:sp>
               <p:nvSpPr>
-                <p:cNvPr id="289" name="Прямоугольник 288"/>
+                <p:cNvPr id="289" name="Rectangle 288"/>
                 <p:cNvSpPr/>
                 <p:nvPr userDrawn="1"/>
               </p:nvSpPr>
@@ -6696,7 +6696,7 @@
         </p:grpSp>
         <p:grpSp>
           <p:nvGrpSpPr>
-            <p:cNvPr id="243" name="Группа 242"/>
+            <p:cNvPr id="243" name="Group 242"/>
             <p:cNvGrpSpPr/>
             <p:nvPr userDrawn="1"/>
           </p:nvGrpSpPr>
@@ -6710,7 +6710,7 @@
           </p:grpSpPr>
           <p:sp>
             <p:nvSpPr>
-              <p:cNvPr id="268" name="Прямоугольник 267"/>
+              <p:cNvPr id="268" name="Rectangle 267"/>
               <p:cNvSpPr/>
               <p:nvPr userDrawn="1"/>
             </p:nvSpPr>
@@ -6732,7 +6732,7 @@
           </p:sp>
           <p:grpSp>
             <p:nvGrpSpPr>
-              <p:cNvPr id="269" name="Группа 268"/>
+              <p:cNvPr id="269" name="Group 268"/>
               <p:cNvGrpSpPr/>
               <p:nvPr userDrawn="1"/>
             </p:nvGrpSpPr>
@@ -6746,7 +6746,7 @@
             </p:grpSpPr>
             <p:sp>
               <p:nvSpPr>
-                <p:cNvPr id="270" name="Прямоугольник 269"/>
+                <p:cNvPr id="270" name="Rectangle 269"/>
                 <p:cNvSpPr/>
                 <p:nvPr userDrawn="1"/>
               </p:nvSpPr>
@@ -6772,7 +6772,7 @@
             </p:sp>
             <p:sp>
               <p:nvSpPr>
-                <p:cNvPr id="271" name="Прямоугольник 270"/>
+                <p:cNvPr id="271" name="Rectangle 270"/>
                 <p:cNvSpPr/>
                 <p:nvPr userDrawn="1"/>
               </p:nvSpPr>
@@ -6798,7 +6798,7 @@
             </p:sp>
             <p:sp>
               <p:nvSpPr>
-                <p:cNvPr id="272" name="Прямоугольник 271"/>
+                <p:cNvPr id="272" name="Rectangle 271"/>
                 <p:cNvSpPr/>
                 <p:nvPr userDrawn="1"/>
               </p:nvSpPr>
@@ -6824,7 +6824,7 @@
             </p:sp>
             <p:sp>
               <p:nvSpPr>
-                <p:cNvPr id="273" name="Прямоугольник 272"/>
+                <p:cNvPr id="273" name="Rectangle 272"/>
                 <p:cNvSpPr/>
                 <p:nvPr userDrawn="1"/>
               </p:nvSpPr>
@@ -6849,7 +6849,7 @@
             </p:sp>
             <p:sp>
               <p:nvSpPr>
-                <p:cNvPr id="274" name="Прямоугольник 273"/>
+                <p:cNvPr id="274" name="Rectangle 273"/>
                 <p:cNvSpPr/>
                 <p:nvPr userDrawn="1"/>
               </p:nvSpPr>
@@ -6875,7 +6875,7 @@
             </p:sp>
             <p:sp>
               <p:nvSpPr>
-                <p:cNvPr id="275" name="Прямоугольник 274"/>
+                <p:cNvPr id="275" name="Rectangle 274"/>
                 <p:cNvSpPr/>
                 <p:nvPr userDrawn="1"/>
               </p:nvSpPr>
@@ -6901,7 +6901,7 @@
             </p:sp>
             <p:sp>
               <p:nvSpPr>
-                <p:cNvPr id="276" name="Прямоугольник 275"/>
+                <p:cNvPr id="276" name="Rectangle 275"/>
                 <p:cNvSpPr/>
                 <p:nvPr userDrawn="1"/>
               </p:nvSpPr>
@@ -6926,7 +6926,7 @@
             </p:sp>
             <p:sp>
               <p:nvSpPr>
-                <p:cNvPr id="277" name="Прямоугольник 276"/>
+                <p:cNvPr id="277" name="Rectangle 276"/>
                 <p:cNvSpPr/>
                 <p:nvPr userDrawn="1"/>
               </p:nvSpPr>
@@ -6951,7 +6951,7 @@
             </p:sp>
             <p:sp>
               <p:nvSpPr>
-                <p:cNvPr id="278" name="Прямоугольник 277"/>
+                <p:cNvPr id="278" name="Rectangle 277"/>
                 <p:cNvSpPr/>
                 <p:nvPr userDrawn="1"/>
               </p:nvSpPr>
@@ -6978,7 +6978,7 @@
         </p:grpSp>
         <p:grpSp>
           <p:nvGrpSpPr>
-            <p:cNvPr id="244" name="Группа 243"/>
+            <p:cNvPr id="244" name="Group 243"/>
             <p:cNvGrpSpPr/>
             <p:nvPr userDrawn="1"/>
           </p:nvGrpSpPr>
@@ -6992,7 +6992,7 @@
           </p:grpSpPr>
           <p:sp>
             <p:nvSpPr>
-              <p:cNvPr id="257" name="Прямоугольник 256"/>
+              <p:cNvPr id="257" name="Rectangle 256"/>
               <p:cNvSpPr/>
               <p:nvPr userDrawn="1"/>
             </p:nvSpPr>
@@ -7014,7 +7014,7 @@
           </p:sp>
           <p:grpSp>
             <p:nvGrpSpPr>
-              <p:cNvPr id="258" name="Группа 257"/>
+              <p:cNvPr id="258" name="Group 257"/>
               <p:cNvGrpSpPr/>
               <p:nvPr userDrawn="1"/>
             </p:nvGrpSpPr>
@@ -7028,7 +7028,7 @@
             </p:grpSpPr>
             <p:sp>
               <p:nvSpPr>
-                <p:cNvPr id="259" name="Прямоугольник 258"/>
+                <p:cNvPr id="259" name="Rectangle 258"/>
                 <p:cNvSpPr/>
                 <p:nvPr userDrawn="1"/>
               </p:nvSpPr>
@@ -7053,7 +7053,7 @@
             </p:sp>
             <p:sp>
               <p:nvSpPr>
-                <p:cNvPr id="260" name="Прямоугольник 259"/>
+                <p:cNvPr id="260" name="Rectangle 259"/>
                 <p:cNvSpPr/>
                 <p:nvPr userDrawn="1"/>
               </p:nvSpPr>
@@ -7079,7 +7079,7 @@
             </p:sp>
             <p:sp>
               <p:nvSpPr>
-                <p:cNvPr id="261" name="Прямоугольник 260"/>
+                <p:cNvPr id="261" name="Rectangle 260"/>
                 <p:cNvSpPr/>
                 <p:nvPr userDrawn="1"/>
               </p:nvSpPr>
@@ -7104,7 +7104,7 @@
             </p:sp>
             <p:sp>
               <p:nvSpPr>
-                <p:cNvPr id="262" name="Прямоугольник 261"/>
+                <p:cNvPr id="262" name="Rectangle 261"/>
                 <p:cNvSpPr/>
                 <p:nvPr userDrawn="1"/>
               </p:nvSpPr>
@@ -7130,7 +7130,7 @@
             </p:sp>
             <p:sp>
               <p:nvSpPr>
-                <p:cNvPr id="263" name="Прямоугольник 262"/>
+                <p:cNvPr id="263" name="Rectangle 262"/>
                 <p:cNvSpPr/>
                 <p:nvPr userDrawn="1"/>
               </p:nvSpPr>
@@ -7156,7 +7156,7 @@
             </p:sp>
             <p:sp>
               <p:nvSpPr>
-                <p:cNvPr id="264" name="Прямоугольник 263"/>
+                <p:cNvPr id="264" name="Rectangle 263"/>
                 <p:cNvSpPr/>
                 <p:nvPr userDrawn="1"/>
               </p:nvSpPr>
@@ -7182,7 +7182,7 @@
             </p:sp>
             <p:sp>
               <p:nvSpPr>
-                <p:cNvPr id="265" name="Прямоугольник 264"/>
+                <p:cNvPr id="265" name="Rectangle 264"/>
                 <p:cNvSpPr/>
                 <p:nvPr userDrawn="1"/>
               </p:nvSpPr>
@@ -7208,7 +7208,7 @@
             </p:sp>
             <p:sp>
               <p:nvSpPr>
-                <p:cNvPr id="266" name="Прямоугольник 265"/>
+                <p:cNvPr id="266" name="Rectangle 265"/>
                 <p:cNvSpPr/>
                 <p:nvPr userDrawn="1"/>
               </p:nvSpPr>
@@ -7234,7 +7234,7 @@
             </p:sp>
             <p:sp>
               <p:nvSpPr>
-                <p:cNvPr id="267" name="Прямоугольник 266"/>
+                <p:cNvPr id="267" name="Rectangle 266"/>
                 <p:cNvSpPr/>
                 <p:nvPr userDrawn="1"/>
               </p:nvSpPr>
@@ -7276,7 +7276,7 @@
           </p:grpSpPr>
           <p:sp>
             <p:nvSpPr>
-              <p:cNvPr id="248" name="Прямоугольник 247"/>
+              <p:cNvPr id="248" name="Rectangle 247"/>
               <p:cNvSpPr/>
               <p:nvPr userDrawn="1"/>
             </p:nvSpPr>
@@ -7302,7 +7302,7 @@
           </p:sp>
           <p:sp>
             <p:nvSpPr>
-              <p:cNvPr id="249" name="Прямоугольник 248"/>
+              <p:cNvPr id="249" name="Rectangle 248"/>
               <p:cNvSpPr/>
               <p:nvPr userDrawn="1"/>
             </p:nvSpPr>
@@ -7328,7 +7328,7 @@
           </p:sp>
           <p:sp>
             <p:nvSpPr>
-              <p:cNvPr id="250" name="Прямоугольник 249"/>
+              <p:cNvPr id="250" name="Rectangle 249"/>
               <p:cNvSpPr/>
               <p:nvPr userDrawn="1"/>
             </p:nvSpPr>
@@ -7353,7 +7353,7 @@
           </p:sp>
           <p:sp>
             <p:nvSpPr>
-              <p:cNvPr id="251" name="Прямоугольник 250"/>
+              <p:cNvPr id="251" name="Rectangle 250"/>
               <p:cNvSpPr/>
               <p:nvPr userDrawn="1"/>
             </p:nvSpPr>
@@ -7379,7 +7379,7 @@
           </p:sp>
           <p:sp>
             <p:nvSpPr>
-              <p:cNvPr id="252" name="Прямоугольник 251"/>
+              <p:cNvPr id="252" name="Rectangle 251"/>
               <p:cNvSpPr/>
               <p:nvPr userDrawn="1"/>
             </p:nvSpPr>
@@ -7405,7 +7405,7 @@
           </p:sp>
           <p:sp>
             <p:nvSpPr>
-              <p:cNvPr id="253" name="Прямоугольник 252"/>
+              <p:cNvPr id="253" name="Rectangle 252"/>
               <p:cNvSpPr/>
               <p:nvPr userDrawn="1"/>
             </p:nvSpPr>
@@ -7431,7 +7431,7 @@
           </p:sp>
           <p:sp>
             <p:nvSpPr>
-              <p:cNvPr id="254" name="Прямоугольник 253"/>
+              <p:cNvPr id="254" name="Rectangle 253"/>
               <p:cNvSpPr/>
               <p:nvPr userDrawn="1"/>
             </p:nvSpPr>
@@ -7456,7 +7456,7 @@
           </p:sp>
           <p:sp>
             <p:nvSpPr>
-              <p:cNvPr id="255" name="Прямоугольник 254"/>
+              <p:cNvPr id="255" name="Rectangle 254"/>
               <p:cNvSpPr/>
               <p:nvPr userDrawn="1"/>
             </p:nvSpPr>
@@ -7480,7 +7480,7 @@
           </p:sp>
           <p:sp>
             <p:nvSpPr>
-              <p:cNvPr id="256" name="Прямоугольник 255"/>
+              <p:cNvPr id="256" name="Rectangle 255"/>
               <p:cNvSpPr/>
               <p:nvPr userDrawn="1"/>
             </p:nvSpPr>
@@ -7506,7 +7506,7 @@
         </p:grpSp>
         <p:grpSp>
           <p:nvGrpSpPr>
-            <p:cNvPr id="352" name="Группа 351"/>
+            <p:cNvPr id="352" name="Group 351"/>
             <p:cNvGrpSpPr/>
             <p:nvPr userDrawn="1"/>
           </p:nvGrpSpPr>
@@ -7520,7 +7520,7 @@
           </p:grpSpPr>
           <p:sp>
             <p:nvSpPr>
-              <p:cNvPr id="354" name="Прямоугольник 353"/>
+              <p:cNvPr id="354" name="Rectangle 353"/>
               <p:cNvSpPr/>
               <p:nvPr userDrawn="1"/>
             </p:nvSpPr>
@@ -7546,7 +7546,7 @@
           </p:sp>
           <p:sp>
             <p:nvSpPr>
-              <p:cNvPr id="355" name="Прямоугольник 354"/>
+              <p:cNvPr id="355" name="Rectangle 354"/>
               <p:cNvSpPr/>
               <p:nvPr userDrawn="1"/>
             </p:nvSpPr>
@@ -7572,7 +7572,7 @@
           </p:sp>
           <p:sp>
             <p:nvSpPr>
-              <p:cNvPr id="357" name="Прямоугольник 356"/>
+              <p:cNvPr id="357" name="Rectangle 356"/>
               <p:cNvSpPr/>
               <p:nvPr userDrawn="1"/>
             </p:nvSpPr>
@@ -7598,7 +7598,7 @@
           </p:sp>
           <p:sp>
             <p:nvSpPr>
-              <p:cNvPr id="358" name="Прямоугольник 357"/>
+              <p:cNvPr id="358" name="Rectangle 357"/>
               <p:cNvSpPr/>
               <p:nvPr userDrawn="1"/>
             </p:nvSpPr>
@@ -7624,7 +7624,7 @@
           </p:sp>
           <p:sp>
             <p:nvSpPr>
-              <p:cNvPr id="360" name="Прямоугольник 359"/>
+              <p:cNvPr id="360" name="Rectangle 359"/>
               <p:cNvSpPr/>
               <p:nvPr userDrawn="1"/>
             </p:nvSpPr>
@@ -7649,7 +7649,7 @@
           </p:sp>
           <p:sp>
             <p:nvSpPr>
-              <p:cNvPr id="361" name="Прямоугольник 360"/>
+              <p:cNvPr id="361" name="Rectangle 360"/>
               <p:cNvSpPr/>
               <p:nvPr userDrawn="1"/>
             </p:nvSpPr>
@@ -7676,7 +7676,7 @@
       </p:grpSp>
       <p:sp>
         <p:nvSpPr>
-          <p:cNvPr id="483" name="Прямоугольник 482"/>
+          <p:cNvPr id="483" name="Rectangle 482"/>
           <p:cNvSpPr/>
           <p:nvPr userDrawn="1"/>
         </p:nvSpPr>
@@ -7698,7 +7698,7 @@
       </p:sp>
       <p:sp>
         <p:nvSpPr>
-          <p:cNvPr id="488" name="Прямоугольник 487"/>
+          <p:cNvPr id="488" name="Rectangle 487"/>
           <p:cNvSpPr/>
           <p:nvPr userDrawn="1"/>
         </p:nvSpPr>
@@ -7724,7 +7724,7 @@
       </p:sp>
       <p:sp>
         <p:nvSpPr>
-          <p:cNvPr id="489" name="Прямоугольник 488"/>
+          <p:cNvPr id="489" name="Rectangle 488"/>
           <p:cNvSpPr/>
           <p:nvPr userDrawn="1"/>
         </p:nvSpPr>
@@ -7750,7 +7750,7 @@
       </p:sp>
       <p:sp>
         <p:nvSpPr>
-          <p:cNvPr id="490" name="Прямоугольник 489"/>
+          <p:cNvPr id="490" name="Rectangle 489"/>
           <p:cNvSpPr/>
           <p:nvPr userDrawn="1"/>
         </p:nvSpPr>
@@ -7776,7 +7776,7 @@
       </p:sp>
       <p:sp>
         <p:nvSpPr>
-          <p:cNvPr id="472" name="Прямоугольник 471"/>
+          <p:cNvPr id="472" name="Rectangle 471"/>
           <p:cNvSpPr/>
           <p:nvPr userDrawn="1"/>
         </p:nvSpPr>
@@ -7798,7 +7798,7 @@
       </p:sp>
       <p:sp>
         <p:nvSpPr>
-          <p:cNvPr id="477" name="Прямоугольник 476"/>
+          <p:cNvPr id="477" name="Rectangle 476"/>
           <p:cNvSpPr/>
           <p:nvPr userDrawn="1"/>
         </p:nvSpPr>
@@ -7824,7 +7824,7 @@
       </p:sp>
       <p:sp>
         <p:nvSpPr>
-          <p:cNvPr id="478" name="Прямоугольник 477"/>
+          <p:cNvPr id="478" name="Rectangle 477"/>
           <p:cNvSpPr/>
           <p:nvPr userDrawn="1"/>
         </p:nvSpPr>
@@ -7850,7 +7850,7 @@
       </p:sp>
       <p:sp>
         <p:nvSpPr>
-          <p:cNvPr id="479" name="Прямоугольник 478"/>
+          <p:cNvPr id="479" name="Rectangle 478"/>
           <p:cNvSpPr/>
           <p:nvPr userDrawn="1"/>
         </p:nvSpPr>
@@ -7876,7 +7876,7 @@
       </p:sp>
       <p:sp>
         <p:nvSpPr>
-          <p:cNvPr id="461" name="Прямоугольник 460"/>
+          <p:cNvPr id="461" name="Rectangle 460"/>
           <p:cNvSpPr/>
           <p:nvPr userDrawn="1"/>
         </p:nvSpPr>
@@ -7898,7 +7898,7 @@
       </p:sp>
       <p:sp>
         <p:nvSpPr>
-          <p:cNvPr id="466" name="Прямоугольник 465"/>
+          <p:cNvPr id="466" name="Rectangle 465"/>
           <p:cNvSpPr/>
           <p:nvPr userDrawn="1"/>
         </p:nvSpPr>
@@ -7923,7 +7923,7 @@
       </p:sp>
       <p:sp>
         <p:nvSpPr>
-          <p:cNvPr id="467" name="Прямоугольник 466"/>
+          <p:cNvPr id="467" name="Rectangle 466"/>
           <p:cNvSpPr/>
           <p:nvPr userDrawn="1"/>
         </p:nvSpPr>
@@ -7949,7 +7949,7 @@
       </p:sp>
       <p:sp>
         <p:nvSpPr>
-          <p:cNvPr id="468" name="Прямоугольник 467"/>
+          <p:cNvPr id="468" name="Rectangle 467"/>
           <p:cNvSpPr/>
           <p:nvPr userDrawn="1"/>
         </p:nvSpPr>
@@ -7975,7 +7975,7 @@
       </p:sp>
       <p:sp>
         <p:nvSpPr>
-          <p:cNvPr id="450" name="Прямоугольник 449"/>
+          <p:cNvPr id="450" name="Rectangle 449"/>
           <p:cNvSpPr/>
           <p:nvPr userDrawn="1"/>
         </p:nvSpPr>
@@ -7997,7 +7997,7 @@
       </p:sp>
       <p:sp>
         <p:nvSpPr>
-          <p:cNvPr id="455" name="Прямоугольник 454"/>
+          <p:cNvPr id="455" name="Rectangle 454"/>
           <p:cNvSpPr/>
           <p:nvPr userDrawn="1"/>
         </p:nvSpPr>
@@ -8023,7 +8023,7 @@
       </p:sp>
       <p:sp>
         <p:nvSpPr>
-          <p:cNvPr id="456" name="Прямоугольник 455"/>
+          <p:cNvPr id="456" name="Rectangle 455"/>
           <p:cNvSpPr/>
           <p:nvPr userDrawn="1"/>
         </p:nvSpPr>
@@ -8049,7 +8049,7 @@
       </p:sp>
       <p:sp>
         <p:nvSpPr>
-          <p:cNvPr id="457" name="Прямоугольник 456"/>
+          <p:cNvPr id="457" name="Rectangle 456"/>
           <p:cNvSpPr/>
           <p:nvPr userDrawn="1"/>
         </p:nvSpPr>
@@ -8075,7 +8075,7 @@
       </p:sp>
       <p:sp>
         <p:nvSpPr>
-          <p:cNvPr id="439" name="Прямоугольник 438"/>
+          <p:cNvPr id="439" name="Rectangle 438"/>
           <p:cNvSpPr/>
           <p:nvPr userDrawn="1"/>
         </p:nvSpPr>
@@ -8097,7 +8097,7 @@
       </p:sp>
       <p:sp>
         <p:nvSpPr>
-          <p:cNvPr id="444" name="Прямоугольник 443"/>
+          <p:cNvPr id="444" name="Rectangle 443"/>
           <p:cNvSpPr/>
           <p:nvPr userDrawn="1"/>
         </p:nvSpPr>
@@ -8123,7 +8123,7 @@
       </p:sp>
       <p:sp>
         <p:nvSpPr>
-          <p:cNvPr id="445" name="Прямоугольник 444"/>
+          <p:cNvPr id="445" name="Rectangle 444"/>
           <p:cNvSpPr/>
           <p:nvPr userDrawn="1"/>
         </p:nvSpPr>
@@ -8149,7 +8149,7 @@
       </p:sp>
       <p:sp>
         <p:nvSpPr>
-          <p:cNvPr id="446" name="Прямоугольник 445"/>
+          <p:cNvPr id="446" name="Rectangle 445"/>
           <p:cNvSpPr/>
           <p:nvPr userDrawn="1"/>
         </p:nvSpPr>
@@ -8175,7 +8175,7 @@
       </p:sp>
       <p:sp>
         <p:nvSpPr>
-          <p:cNvPr id="423" name="Прямоугольник 422"/>
+          <p:cNvPr id="423" name="Rectangle 422"/>
           <p:cNvSpPr/>
           <p:nvPr userDrawn="1"/>
         </p:nvSpPr>
@@ -8197,7 +8197,7 @@
       </p:sp>
       <p:sp>
         <p:nvSpPr>
-          <p:cNvPr id="428" name="Прямоугольник 427"/>
+          <p:cNvPr id="428" name="Rectangle 427"/>
           <p:cNvSpPr/>
           <p:nvPr userDrawn="1"/>
         </p:nvSpPr>
@@ -8223,7 +8223,7 @@
       </p:sp>
       <p:sp>
         <p:nvSpPr>
-          <p:cNvPr id="429" name="Прямоугольник 428"/>
+          <p:cNvPr id="429" name="Rectangle 428"/>
           <p:cNvSpPr/>
           <p:nvPr userDrawn="1"/>
         </p:nvSpPr>
@@ -8249,7 +8249,7 @@
       </p:sp>
       <p:sp>
         <p:nvSpPr>
-          <p:cNvPr id="430" name="Прямоугольник 429"/>
+          <p:cNvPr id="430" name="Rectangle 429"/>
           <p:cNvSpPr/>
           <p:nvPr userDrawn="1"/>
         </p:nvSpPr>
@@ -8275,7 +8275,7 @@
       </p:sp>
       <p:sp>
         <p:nvSpPr>
-          <p:cNvPr id="412" name="Прямоугольник 411"/>
+          <p:cNvPr id="412" name="Rectangle 411"/>
           <p:cNvSpPr/>
           <p:nvPr userDrawn="1"/>
         </p:nvSpPr>
@@ -8297,7 +8297,7 @@
       </p:sp>
       <p:sp>
         <p:nvSpPr>
-          <p:cNvPr id="417" name="Прямоугольник 416"/>
+          <p:cNvPr id="417" name="Rectangle 416"/>
           <p:cNvSpPr/>
           <p:nvPr userDrawn="1"/>
         </p:nvSpPr>
@@ -8323,7 +8323,7 @@
       </p:sp>
       <p:sp>
         <p:nvSpPr>
-          <p:cNvPr id="418" name="Прямоугольник 417"/>
+          <p:cNvPr id="418" name="Rectangle 417"/>
           <p:cNvSpPr/>
           <p:nvPr userDrawn="1"/>
         </p:nvSpPr>
@@ -8349,7 +8349,7 @@
       </p:sp>
       <p:sp>
         <p:nvSpPr>
-          <p:cNvPr id="419" name="Прямоугольник 418"/>
+          <p:cNvPr id="419" name="Rectangle 418"/>
           <p:cNvSpPr/>
           <p:nvPr userDrawn="1"/>
         </p:nvSpPr>
@@ -8375,7 +8375,7 @@
       </p:sp>
       <p:sp>
         <p:nvSpPr>
-          <p:cNvPr id="401" name="Прямоугольник 400"/>
+          <p:cNvPr id="401" name="Rectangle 400"/>
           <p:cNvSpPr/>
           <p:nvPr userDrawn="1"/>
         </p:nvSpPr>
@@ -8397,7 +8397,7 @@
       </p:sp>
       <p:sp>
         <p:nvSpPr>
-          <p:cNvPr id="406" name="Прямоугольник 405"/>
+          <p:cNvPr id="406" name="Rectangle 405"/>
           <p:cNvSpPr/>
           <p:nvPr userDrawn="1"/>
         </p:nvSpPr>
@@ -8422,7 +8422,7 @@
       </p:sp>
       <p:sp>
         <p:nvSpPr>
-          <p:cNvPr id="407" name="Прямоугольник 406"/>
+          <p:cNvPr id="407" name="Rectangle 406"/>
           <p:cNvSpPr/>
           <p:nvPr userDrawn="1"/>
         </p:nvSpPr>
@@ -8448,7 +8448,7 @@
       </p:sp>
       <p:sp>
         <p:nvSpPr>
-          <p:cNvPr id="408" name="Прямоугольник 407"/>
+          <p:cNvPr id="408" name="Rectangle 407"/>
           <p:cNvSpPr/>
           <p:nvPr userDrawn="1"/>
         </p:nvSpPr>
@@ -8474,7 +8474,7 @@
       </p:sp>
       <p:sp>
         <p:nvSpPr>
-          <p:cNvPr id="390" name="Прямоугольник 389"/>
+          <p:cNvPr id="390" name="Rectangle 389"/>
           <p:cNvSpPr/>
           <p:nvPr userDrawn="1"/>
         </p:nvSpPr>
@@ -8496,7 +8496,7 @@
       </p:sp>
       <p:sp>
         <p:nvSpPr>
-          <p:cNvPr id="395" name="Прямоугольник 394"/>
+          <p:cNvPr id="395" name="Rectangle 394"/>
           <p:cNvSpPr/>
           <p:nvPr userDrawn="1"/>
         </p:nvSpPr>
@@ -8522,7 +8522,7 @@
       </p:sp>
       <p:sp>
         <p:nvSpPr>
-          <p:cNvPr id="396" name="Прямоугольник 395"/>
+          <p:cNvPr id="396" name="Rectangle 395"/>
           <p:cNvSpPr/>
           <p:nvPr userDrawn="1"/>
         </p:nvSpPr>
@@ -8548,7 +8548,7 @@
       </p:sp>
       <p:sp>
         <p:nvSpPr>
-          <p:cNvPr id="397" name="Прямоугольник 396"/>
+          <p:cNvPr id="397" name="Rectangle 396"/>
           <p:cNvSpPr/>
           <p:nvPr userDrawn="1"/>
         </p:nvSpPr>
@@ -8574,7 +8574,7 @@
       </p:sp>
       <p:sp>
         <p:nvSpPr>
-          <p:cNvPr id="379" name="Прямоугольник 378"/>
+          <p:cNvPr id="379" name="Rectangle 378"/>
           <p:cNvSpPr/>
           <p:nvPr userDrawn="1"/>
         </p:nvSpPr>
@@ -8596,7 +8596,7 @@
       </p:sp>
       <p:sp>
         <p:nvSpPr>
-          <p:cNvPr id="384" name="Прямоугольник 383"/>
+          <p:cNvPr id="384" name="Rectangle 383"/>
           <p:cNvSpPr/>
           <p:nvPr userDrawn="1"/>
         </p:nvSpPr>
@@ -8622,7 +8622,7 @@
       </p:sp>
       <p:sp>
         <p:nvSpPr>
-          <p:cNvPr id="385" name="Прямоугольник 384"/>
+          <p:cNvPr id="385" name="Rectangle 384"/>
           <p:cNvSpPr/>
           <p:nvPr userDrawn="1"/>
         </p:nvSpPr>
@@ -8648,7 +8648,7 @@
       </p:sp>
       <p:sp>
         <p:nvSpPr>
-          <p:cNvPr id="386" name="Прямоугольник 385"/>
+          <p:cNvPr id="386" name="Rectangle 385"/>
           <p:cNvSpPr/>
           <p:nvPr userDrawn="1"/>
         </p:nvSpPr>
@@ -8674,7 +8674,7 @@
       </p:sp>
       <p:sp>
         <p:nvSpPr>
-          <p:cNvPr id="366" name="Прямоугольник 365"/>
+          <p:cNvPr id="366" name="Rectangle 365"/>
           <p:cNvSpPr/>
           <p:nvPr userDrawn="1"/>
         </p:nvSpPr>
@@ -8696,7 +8696,7 @@
       </p:sp>
       <p:sp>
         <p:nvSpPr>
-          <p:cNvPr id="370" name="Прямоугольник 369"/>
+          <p:cNvPr id="370" name="Rectangle 369"/>
           <p:cNvSpPr/>
           <p:nvPr userDrawn="1"/>
         </p:nvSpPr>
@@ -8722,7 +8722,7 @@
       </p:sp>
       <p:sp>
         <p:nvSpPr>
-          <p:cNvPr id="371" name="Прямоугольник 370"/>
+          <p:cNvPr id="371" name="Rectangle 370"/>
           <p:cNvSpPr/>
           <p:nvPr userDrawn="1"/>
         </p:nvSpPr>
@@ -8748,7 +8748,7 @@
       </p:sp>
       <p:sp>
         <p:nvSpPr>
-          <p:cNvPr id="3" name="Текст 2"/>
+          <p:cNvPr id="3" name="Text Placeholder 2"/>
           <p:cNvSpPr>
             <a:spLocks noGrp="1"/>
           </p:cNvSpPr>
@@ -8773,44 +8773,44 @@
           <a:p>
             <a:pPr lvl="0"/>
             <a:r>
-              <a:rPr lang="ru-RU" dirty="0" smtClean="0"/>
-              <a:t>Образец текста</a:t>
+              <a:rPr lang="en-US" dirty="0" smtClean="0"/>
+              <a:t>Click to edit Master text styles</a:t>
             </a:r>
           </a:p>
           <a:p>
             <a:pPr lvl="1"/>
             <a:r>
-              <a:rPr lang="ru-RU" dirty="0" smtClean="0"/>
-              <a:t>Второй уровень</a:t>
+              <a:rPr lang="en-US" dirty="0" smtClean="0"/>
+              <a:t>Second level</a:t>
             </a:r>
           </a:p>
           <a:p>
             <a:pPr lvl="2"/>
             <a:r>
-              <a:rPr lang="ru-RU" dirty="0" smtClean="0"/>
-              <a:t>Третий уровень</a:t>
+              <a:rPr lang="en-US" dirty="0" smtClean="0"/>
+              <a:t>Third level</a:t>
             </a:r>
           </a:p>
           <a:p>
             <a:pPr lvl="3"/>
             <a:r>
-              <a:rPr lang="ru-RU" dirty="0" smtClean="0"/>
-              <a:t>Четвертый уровень</a:t>
+              <a:rPr lang="en-US" dirty="0" smtClean="0"/>
+              <a:t>Fourth level</a:t>
             </a:r>
           </a:p>
           <a:p>
             <a:pPr lvl="4"/>
             <a:r>
-              <a:rPr lang="ru-RU" dirty="0" smtClean="0"/>
-              <a:t>Пятый уровень</a:t>
+              <a:rPr lang="en-US" dirty="0" smtClean="0"/>
+              <a:t>Fifth level</a:t>
             </a:r>
-            <a:endParaRPr lang="ru-RU" dirty="0"/>
+            <a:endParaRPr lang="en-US" dirty="0"/>
           </a:p>
         </p:txBody>
       </p:sp>
       <p:sp>
         <p:nvSpPr>
-          <p:cNvPr id="2" name="Заголовок 1"/>
+          <p:cNvPr id="2" name="Title 1"/>
           <p:cNvSpPr>
             <a:spLocks noGrp="1"/>
           </p:cNvSpPr>
@@ -8839,16 +8839,16 @@
           <a:lstStyle/>
           <a:p>
             <a:r>
-              <a:rPr lang="ru-RU" dirty="0" smtClean="0"/>
-              <a:t>Образец заголовка</a:t>
+              <a:rPr lang="en-US" dirty="0" smtClean="0"/>
+              <a:t>Click to edit Master title style</a:t>
             </a:r>
-            <a:endParaRPr lang="ru-RU" dirty="0"/>
+            <a:endParaRPr lang="en-US" dirty="0"/>
           </a:p>
         </p:txBody>
       </p:sp>
       <p:sp>
         <p:nvSpPr>
-          <p:cNvPr id="154" name="Номер слайда 5"/>
+          <p:cNvPr id="154" name="Slide Number Placeholder 5"/>
           <p:cNvSpPr>
             <a:spLocks noGrp="1"/>
           </p:cNvSpPr>
@@ -8887,7 +8887,7 @@
       </p:sp>
       <p:sp>
         <p:nvSpPr>
-          <p:cNvPr id="151" name="Дата 3"/>
+          <p:cNvPr id="151" name="Date Placeholder 3"/>
           <p:cNvSpPr>
             <a:spLocks noGrp="1"/>
           </p:cNvSpPr>
@@ -8919,16 +8919,16 @@
           </a:lstStyle>
           <a:p>
             <a:fld id="{51E84241-D031-42DE-84E4-CC10C30232F4}" type="datetimeFigureOut">
-              <a:rPr lang="ru-RU" smtClean="0"/>
+              <a:rPr lang="en-US" smtClean="0"/>
               <a:t>26.12.2019</a:t>
             </a:fld>
-            <a:endParaRPr lang="ru-RU" dirty="0"/>
+            <a:endParaRPr lang="en-US" dirty="0"/>
           </a:p>
         </p:txBody>
       </p:sp>
       <p:sp>
         <p:nvSpPr>
-          <p:cNvPr id="152" name="Нижний колонтитул 4"/>
+          <p:cNvPr id="152" name="Footer Placeholder 4"/>
           <p:cNvSpPr>
             <a:spLocks noGrp="1"/>
           </p:cNvSpPr>
@@ -8959,7 +8959,7 @@
             </a:lvl1pPr>
           </a:lstStyle>
           <a:p>
-            <a:endParaRPr lang="ru-RU" dirty="0"/>
+            <a:endParaRPr lang="en-US" dirty="0"/>
           </a:p>
         </p:txBody>
       </p:sp>
@@ -9159,7 +9159,7 @@
     </p:bodyStyle>
     <p:otherStyle>
       <a:defPPr>
-        <a:defRPr lang="ru-RU"/>
+        <a:defRPr lang="en-US"/>
       </a:defPPr>
       <a:lvl1pPr marL="0" algn="l" defTabSz="914400" rtl="0" eaLnBrk="1" latinLnBrk="0" hangingPunct="1">
         <a:defRPr sz="1800" kern="1200">
@@ -9275,7 +9275,7 @@
       </p:grpSpPr>
       <p:sp>
         <p:nvSpPr>
-          <p:cNvPr id="2" name="Заголовок 1"/>
+          <p:cNvPr id="2" name="Title 1"/>
           <p:cNvSpPr>
             <a:spLocks noGrp="1"/>
           </p:cNvSpPr>
@@ -9288,13 +9288,13 @@
           <a:bodyPr/>
           <a:lstStyle/>
           <a:p>
-            <a:endParaRPr lang="ru-RU" dirty="0"/>
+            <a:endParaRPr lang="en-US" dirty="0"/>
           </a:p>
         </p:txBody>
       </p:sp>
       <p:sp>
         <p:nvSpPr>
-          <p:cNvPr id="3" name="Подзаголовок 2"/>
+          <p:cNvPr id="3" name="Subtitle 2"/>
           <p:cNvSpPr>
             <a:spLocks noGrp="1"/>
           </p:cNvSpPr>
@@ -9307,7 +9307,7 @@
           <a:bodyPr/>
           <a:lstStyle/>
           <a:p>
-            <a:endParaRPr lang="ru-RU" dirty="0"/>
+            <a:endParaRPr lang="en-US" dirty="0"/>
           </a:p>
         </p:txBody>
       </p:sp>
@@ -9372,7 +9372,7 @@
         <a:srgbClr val="FE19FF"/>
       </a:folHlink>
     </a:clrScheme>
-    <a:fontScheme name="Классическая">
+    <a:fontScheme name="Classic">
       <a:majorFont>
         <a:latin typeface="Arial"/>
         <a:ea typeface=""/>
@@ -9444,7 +9444,7 @@
         <a:font script="Geor" typeface="Sylfaen"/>
       </a:minorFont>
     </a:fontScheme>
-    <a:fmtScheme name="Стандартная">
+    <a:fmtScheme name="Standard">
       <a:fillStyleLst>
         <a:solidFill>
           <a:schemeClr val="phClr"/>
